--- a/Xamarin Azure Search Tutorial.pptx
+++ b/Xamarin Azure Search Tutorial.pptx
@@ -6,7 +6,7 @@
     <p:sldMasterId id="2147483662" r:id="rId2"/>
   </p:sldMasterIdLst>
   <p:notesMasterIdLst>
-    <p:notesMasterId r:id="rId35"/>
+    <p:notesMasterId r:id="rId38"/>
   </p:notesMasterIdLst>
   <p:sldIdLst>
     <p:sldId id="267" r:id="rId3"/>
@@ -41,6 +41,9 @@
     <p:sldId id="318" r:id="rId32"/>
     <p:sldId id="325" r:id="rId33"/>
     <p:sldId id="326" r:id="rId34"/>
+    <p:sldId id="327" r:id="rId35"/>
+    <p:sldId id="328" r:id="rId36"/>
+    <p:sldId id="330" r:id="rId37"/>
   </p:sldIdLst>
   <p:sldSz cx="12192000" cy="6858000"/>
   <p:notesSz cx="6858000" cy="9144000"/>
@@ -229,7 +232,7 @@
           <a:p>
             <a:fld id="{D22869F2-CA65-475A-A57C-3086E8EBE859}" type="datetimeFigureOut">
               <a:rPr lang="en-US" smtClean="0"/>
-              <a:t>8/29/2016</a:t>
+              <a:t>9/1/2016</a:t>
             </a:fld>
             <a:endParaRPr lang="en-US"/>
           </a:p>
@@ -697,7 +700,7 @@
                 </a:solidFill>
               </a:rPr>
               <a:pPr/>
-              <a:t>8/29/2016 3:52 PM</a:t>
+              <a:t>9/1/2016 3:20 PM</a:t>
             </a:fld>
             <a:endParaRPr lang="en-US" dirty="0">
               <a:solidFill>
@@ -927,7 +930,7 @@
                 </a:solidFill>
               </a:rPr>
               <a:pPr/>
-              <a:t>8/29/2016 3:52 PM</a:t>
+              <a:t>9/1/2016 3:20 PM</a:t>
             </a:fld>
             <a:endParaRPr lang="en-US" dirty="0">
               <a:solidFill>
@@ -1040,6 +1043,236 @@
     <p:extLst>
       <p:ext uri="{BB962C8B-B14F-4D97-AF65-F5344CB8AC3E}">
         <p14:creationId xmlns:p14="http://schemas.microsoft.com/office/powerpoint/2010/main" val="1047682826"/>
+      </p:ext>
+    </p:extLst>
+  </p:cSld>
+  <p:clrMapOvr>
+    <a:masterClrMapping/>
+  </p:clrMapOvr>
+</p:notes>
+</file>
+
+<file path=ppt/notesSlides/notesSlide12.xml><?xml version="1.0" encoding="utf-8"?>
+<p:notes xmlns:a="http://schemas.openxmlformats.org/drawingml/2006/main" xmlns:r="http://schemas.openxmlformats.org/officeDocument/2006/relationships" xmlns:p="http://schemas.openxmlformats.org/presentationml/2006/main">
+  <p:cSld>
+    <p:spTree>
+      <p:nvGrpSpPr>
+        <p:cNvPr id="1" name=""/>
+        <p:cNvGrpSpPr/>
+        <p:nvPr/>
+      </p:nvGrpSpPr>
+      <p:grpSpPr>
+        <a:xfrm>
+          <a:off x="0" y="0"/>
+          <a:ext cx="0" cy="0"/>
+          <a:chOff x="0" y="0"/>
+          <a:chExt cx="0" cy="0"/>
+        </a:xfrm>
+      </p:grpSpPr>
+      <p:sp>
+        <p:nvSpPr>
+          <p:cNvPr id="2" name="Slide Image Placeholder 1"/>
+          <p:cNvSpPr>
+            <a:spLocks noGrp="1" noRot="1" noChangeAspect="1"/>
+          </p:cNvSpPr>
+          <p:nvPr>
+            <p:ph type="sldImg"/>
+          </p:nvPr>
+        </p:nvSpPr>
+        <p:spPr>
+          <a:xfrm>
+            <a:off x="381000" y="685800"/>
+            <a:ext cx="6096000" cy="3429000"/>
+          </a:xfrm>
+        </p:spPr>
+      </p:sp>
+      <p:sp>
+        <p:nvSpPr>
+          <p:cNvPr id="3" name="Notes Placeholder 2"/>
+          <p:cNvSpPr>
+            <a:spLocks noGrp="1"/>
+          </p:cNvSpPr>
+          <p:nvPr>
+            <p:ph type="body" idx="1"/>
+          </p:nvPr>
+        </p:nvSpPr>
+        <p:spPr/>
+        <p:txBody>
+          <a:bodyPr>
+            <a:normAutofit/>
+          </a:bodyPr>
+          <a:lstStyle/>
+          <a:p>
+            <a:endParaRPr lang="en-US" dirty="0"/>
+          </a:p>
+        </p:txBody>
+      </p:sp>
+      <p:sp>
+        <p:nvSpPr>
+          <p:cNvPr id="4" name="Header Placeholder 3"/>
+          <p:cNvSpPr>
+            <a:spLocks noGrp="1"/>
+          </p:cNvSpPr>
+          <p:nvPr>
+            <p:ph type="hdr" sz="quarter" idx="10"/>
+          </p:nvPr>
+        </p:nvSpPr>
+        <p:spPr>
+          <a:xfrm>
+            <a:off x="0" y="0"/>
+            <a:ext cx="2971800" cy="457200"/>
+          </a:xfrm>
+          <a:prstGeom prst="rect">
+            <a:avLst/>
+          </a:prstGeom>
+        </p:spPr>
+        <p:txBody>
+          <a:bodyPr/>
+          <a:lstStyle/>
+          <a:p>
+            <a:endParaRPr lang="en-US" dirty="0">
+              <a:solidFill>
+                <a:prstClr val="black"/>
+              </a:solidFill>
+            </a:endParaRPr>
+          </a:p>
+        </p:txBody>
+      </p:sp>
+      <p:sp>
+        <p:nvSpPr>
+          <p:cNvPr id="5" name="Date Placeholder 4"/>
+          <p:cNvSpPr>
+            <a:spLocks noGrp="1"/>
+          </p:cNvSpPr>
+          <p:nvPr>
+            <p:ph type="dt" idx="11"/>
+          </p:nvPr>
+        </p:nvSpPr>
+        <p:spPr/>
+        <p:txBody>
+          <a:bodyPr/>
+          <a:lstStyle/>
+          <a:p>
+            <a:fld id="{81331B57-0BE5-4F82-AA58-76F53EFF3ADA}" type="datetime8">
+              <a:rPr lang="en-US" smtClean="0">
+                <a:solidFill>
+                  <a:prstClr val="black"/>
+                </a:solidFill>
+              </a:rPr>
+              <a:pPr/>
+              <a:t>9/1/2016 3:21 PM</a:t>
+            </a:fld>
+            <a:endParaRPr lang="en-US" dirty="0">
+              <a:solidFill>
+                <a:prstClr val="black"/>
+              </a:solidFill>
+            </a:endParaRPr>
+          </a:p>
+        </p:txBody>
+      </p:sp>
+      <p:sp>
+        <p:nvSpPr>
+          <p:cNvPr id="7" name="Slide Number Placeholder 6"/>
+          <p:cNvSpPr>
+            <a:spLocks noGrp="1"/>
+          </p:cNvSpPr>
+          <p:nvPr>
+            <p:ph type="sldNum" sz="quarter" idx="13"/>
+          </p:nvPr>
+        </p:nvSpPr>
+        <p:spPr/>
+        <p:txBody>
+          <a:bodyPr/>
+          <a:lstStyle/>
+          <a:p>
+            <a:fld id="{EC87E0CF-87F6-4B58-B8B8-DCAB2DAAF3CA}" type="slidenum">
+              <a:rPr lang="en-US" smtClean="0">
+                <a:solidFill>
+                  <a:prstClr val="black"/>
+                </a:solidFill>
+              </a:rPr>
+              <a:pPr/>
+              <a:t>35</a:t>
+            </a:fld>
+            <a:endParaRPr lang="en-US" dirty="0">
+              <a:solidFill>
+                <a:prstClr val="black"/>
+              </a:solidFill>
+            </a:endParaRPr>
+          </a:p>
+        </p:txBody>
+      </p:sp>
+      <p:sp>
+        <p:nvSpPr>
+          <p:cNvPr id="8" name="Footer Placeholder 3"/>
+          <p:cNvSpPr>
+            <a:spLocks noGrp="1"/>
+          </p:cNvSpPr>
+          <p:nvPr>
+            <p:ph type="ftr" sz="quarter" idx="4"/>
+          </p:nvPr>
+        </p:nvSpPr>
+        <p:spPr>
+          <a:xfrm>
+            <a:off x="0" y="8685213"/>
+            <a:ext cx="6248400" cy="457200"/>
+          </a:xfrm>
+          <a:prstGeom prst="rect">
+            <a:avLst/>
+          </a:prstGeom>
+        </p:spPr>
+        <p:txBody>
+          <a:bodyPr vert="horz" lIns="91440" tIns="45720" rIns="91440" bIns="45720" rtlCol="0" anchor="b"/>
+          <a:lstStyle>
+            <a:lvl1pPr algn="l">
+              <a:defRPr sz="1200"/>
+            </a:lvl1pPr>
+          </a:lstStyle>
+          <a:p>
+            <a:r>
+              <a:rPr lang="en-US" sz="500" dirty="0">
+                <a:solidFill>
+                  <a:srgbClr val="000000"/>
+                </a:solidFill>
+                <a:latin typeface="Segoe UI" pitchFamily="34" charset="0"/>
+              </a:rPr>
+              <a:t>© 2010 Microsoft Corporation. All rights reserved. Microsoft, Windows, Windows Vista and other product names are or may be registered trademarks and/or trademarks in the U.S. and/or other countries.</a:t>
+            </a:r>
+          </a:p>
+          <a:p>
+            <a:r>
+              <a:rPr lang="en-US" sz="500" dirty="0">
+                <a:solidFill>
+                  <a:srgbClr val="000000"/>
+                </a:solidFill>
+                <a:latin typeface="Segoe UI" pitchFamily="34" charset="0"/>
+              </a:rPr>
+              <a:t>The information herein is for informational purposes only and represents the current view of Microsoft Corporation as of the date of this presentation.  Because Microsoft must respond to changing market conditions, it should not be interpreted to be a commitment on the part of Microsoft, and Microsoft cannot guarantee the accuracy of any information provided after the date of this presentation.  </a:t>
+            </a:r>
+            <a:br>
+              <a:rPr lang="en-US" sz="500" dirty="0">
+                <a:solidFill>
+                  <a:srgbClr val="000000"/>
+                </a:solidFill>
+                <a:latin typeface="Segoe UI" pitchFamily="34" charset="0"/>
+              </a:rPr>
+            </a:br>
+            <a:r>
+              <a:rPr lang="en-US" sz="500" dirty="0">
+                <a:solidFill>
+                  <a:srgbClr val="000000"/>
+                </a:solidFill>
+                <a:latin typeface="Segoe UI" pitchFamily="34" charset="0"/>
+              </a:rPr>
+              <a:t>MICROSOFT MAKES NO WARRANTIES, EXPRESS, IMPLIED OR STATUTORY, AS TO THE INFORMATION IN THIS PRESENTATION.</a:t>
+            </a:r>
+          </a:p>
+        </p:txBody>
+      </p:sp>
+    </p:spTree>
+    <p:extLst>
+      <p:ext uri="{BB962C8B-B14F-4D97-AF65-F5344CB8AC3E}">
+        <p14:creationId xmlns:p14="http://schemas.microsoft.com/office/powerpoint/2010/main" val="1739805154"/>
       </p:ext>
     </p:extLst>
   </p:cSld>
@@ -1157,7 +1390,7 @@
                 </a:solidFill>
               </a:rPr>
               <a:pPr/>
-              <a:t>8/29/2016 3:52 PM</a:t>
+              <a:t>9/1/2016 3:20 PM</a:t>
             </a:fld>
             <a:endParaRPr lang="en-US" dirty="0">
               <a:solidFill>
@@ -1387,7 +1620,7 @@
                 </a:solidFill>
               </a:rPr>
               <a:pPr/>
-              <a:t>8/29/2016 3:52 PM</a:t>
+              <a:t>9/1/2016 3:20 PM</a:t>
             </a:fld>
             <a:endParaRPr lang="en-US" dirty="0">
               <a:solidFill>
@@ -1655,7 +1888,7 @@
           <a:p>
             <a:fld id="{38EEC551-8CDA-4EB6-89BB-2A86C9F091C8}" type="datetime8">
               <a:rPr lang="en-US" smtClean="0"/>
-              <a:t>8/29/2016 3:52 PM</a:t>
+              <a:t>9/1/2016 3:20 PM</a:t>
             </a:fld>
             <a:endParaRPr lang="en-US" dirty="0"/>
           </a:p>
@@ -1844,7 +2077,7 @@
           <a:p>
             <a:fld id="{38EEC551-8CDA-4EB6-89BB-2A86C9F091C8}" type="datetime8">
               <a:rPr lang="en-US" smtClean="0"/>
-              <a:t>8/29/2016 3:52 PM</a:t>
+              <a:t>9/1/2016 3:20 PM</a:t>
             </a:fld>
             <a:endParaRPr lang="en-US" dirty="0"/>
           </a:p>
@@ -1995,7 +2228,7 @@
                 </a:solidFill>
               </a:rPr>
               <a:pPr/>
-              <a:t>8/29/2016 3:52 PM</a:t>
+              <a:t>9/1/2016 3:20 PM</a:t>
             </a:fld>
             <a:endParaRPr lang="en-US" dirty="0">
               <a:solidFill>
@@ -2225,7 +2458,7 @@
                 </a:solidFill>
               </a:rPr>
               <a:pPr/>
-              <a:t>8/29/2016 3:52 PM</a:t>
+              <a:t>9/1/2016 3:20 PM</a:t>
             </a:fld>
             <a:endParaRPr lang="en-US" dirty="0">
               <a:solidFill>
@@ -2455,7 +2688,7 @@
                 </a:solidFill>
               </a:rPr>
               <a:pPr/>
-              <a:t>8/29/2016 3:52 PM</a:t>
+              <a:t>9/1/2016 3:20 PM</a:t>
             </a:fld>
             <a:endParaRPr lang="en-US" dirty="0">
               <a:solidFill>
@@ -2685,7 +2918,7 @@
                 </a:solidFill>
               </a:rPr>
               <a:pPr/>
-              <a:t>8/29/2016 3:52 PM</a:t>
+              <a:t>9/1/2016 3:20 PM</a:t>
             </a:fld>
             <a:endParaRPr lang="en-US" dirty="0">
               <a:solidFill>
@@ -2936,7 +3169,7 @@
           <a:p>
             <a:fld id="{0E3D3D7C-BDD5-46A4-92A3-3C28E152440C}" type="datetimeFigureOut">
               <a:rPr lang="en-US" smtClean="0"/>
-              <a:t>8/29/2016</a:t>
+              <a:t>9/1/2016</a:t>
             </a:fld>
             <a:endParaRPr lang="en-US"/>
           </a:p>
@@ -3104,7 +3337,7 @@
           <a:p>
             <a:fld id="{0E3D3D7C-BDD5-46A4-92A3-3C28E152440C}" type="datetimeFigureOut">
               <a:rPr lang="en-US" smtClean="0"/>
-              <a:t>8/29/2016</a:t>
+              <a:t>9/1/2016</a:t>
             </a:fld>
             <a:endParaRPr lang="en-US"/>
           </a:p>
@@ -3282,7 +3515,7 @@
           <a:p>
             <a:fld id="{0E3D3D7C-BDD5-46A4-92A3-3C28E152440C}" type="datetimeFigureOut">
               <a:rPr lang="en-US" smtClean="0"/>
-              <a:t>8/29/2016</a:t>
+              <a:t>9/1/2016</a:t>
             </a:fld>
             <a:endParaRPr lang="en-US"/>
           </a:p>
@@ -8159,7 +8392,7 @@
           <a:p>
             <a:fld id="{0E3D3D7C-BDD5-46A4-92A3-3C28E152440C}" type="datetimeFigureOut">
               <a:rPr lang="en-US" smtClean="0"/>
-              <a:t>8/29/2016</a:t>
+              <a:t>9/1/2016</a:t>
             </a:fld>
             <a:endParaRPr lang="en-US"/>
           </a:p>
@@ -10860,7 +11093,7 @@
           <a:p>
             <a:fld id="{0E3D3D7C-BDD5-46A4-92A3-3C28E152440C}" type="datetimeFigureOut">
               <a:rPr lang="en-US" smtClean="0"/>
-              <a:t>8/29/2016</a:t>
+              <a:t>9/1/2016</a:t>
             </a:fld>
             <a:endParaRPr lang="en-US"/>
           </a:p>
@@ -12992,7 +13225,7 @@
           <a:p>
             <a:fld id="{0E3D3D7C-BDD5-46A4-92A3-3C28E152440C}" type="datetimeFigureOut">
               <a:rPr lang="en-US" smtClean="0"/>
-              <a:t>8/29/2016</a:t>
+              <a:t>9/1/2016</a:t>
             </a:fld>
             <a:endParaRPr lang="en-US"/>
           </a:p>
@@ -13174,7 +13407,7 @@
                 </a:solidFill>
               </a:rPr>
               <a:pPr defTabSz="914192"/>
-              <a:t>8/29/2016</a:t>
+              <a:t>9/1/2016</a:t>
             </a:fld>
             <a:endParaRPr lang="en-US">
               <a:solidFill>
@@ -13433,7 +13666,7 @@
                 </a:solidFill>
               </a:rPr>
               <a:pPr/>
-              <a:t>8/29/2016</a:t>
+              <a:t>9/1/2016</a:t>
             </a:fld>
             <a:endParaRPr lang="en-US">
               <a:solidFill>
@@ -13814,7 +14047,7 @@
           <a:p>
             <a:fld id="{0E3D3D7C-BDD5-46A4-92A3-3C28E152440C}" type="datetimeFigureOut">
               <a:rPr lang="en-US" smtClean="0"/>
-              <a:t>8/29/2016</a:t>
+              <a:t>9/1/2016</a:t>
             </a:fld>
             <a:endParaRPr lang="en-US"/>
           </a:p>
@@ -13931,7 +14164,7 @@
           <a:p>
             <a:fld id="{0E3D3D7C-BDD5-46A4-92A3-3C28E152440C}" type="datetimeFigureOut">
               <a:rPr lang="en-US" smtClean="0"/>
-              <a:t>8/29/2016</a:t>
+              <a:t>9/1/2016</a:t>
             </a:fld>
             <a:endParaRPr lang="en-US"/>
           </a:p>
@@ -14026,7 +14259,7 @@
           <a:p>
             <a:fld id="{0E3D3D7C-BDD5-46A4-92A3-3C28E152440C}" type="datetimeFigureOut">
               <a:rPr lang="en-US" smtClean="0"/>
-              <a:t>8/29/2016</a:t>
+              <a:t>9/1/2016</a:t>
             </a:fld>
             <a:endParaRPr lang="en-US"/>
           </a:p>
@@ -14301,7 +14534,7 @@
           <a:p>
             <a:fld id="{0E3D3D7C-BDD5-46A4-92A3-3C28E152440C}" type="datetimeFigureOut">
               <a:rPr lang="en-US" smtClean="0"/>
-              <a:t>8/29/2016</a:t>
+              <a:t>9/1/2016</a:t>
             </a:fld>
             <a:endParaRPr lang="en-US"/>
           </a:p>
@@ -14553,7 +14786,7 @@
           <a:p>
             <a:fld id="{0E3D3D7C-BDD5-46A4-92A3-3C28E152440C}" type="datetimeFigureOut">
               <a:rPr lang="en-US" smtClean="0"/>
-              <a:t>8/29/2016</a:t>
+              <a:t>9/1/2016</a:t>
             </a:fld>
             <a:endParaRPr lang="en-US"/>
           </a:p>
@@ -14764,7 +14997,7 @@
           <a:p>
             <a:fld id="{0E3D3D7C-BDD5-46A4-92A3-3C28E152440C}" type="datetimeFigureOut">
               <a:rPr lang="en-US" smtClean="0"/>
-              <a:t>8/29/2016</a:t>
+              <a:t>9/1/2016</a:t>
             </a:fld>
             <a:endParaRPr lang="en-US"/>
           </a:p>
@@ -24984,6 +25217,590 @@
     <p:extLst>
       <p:ext uri="{BB962C8B-B14F-4D97-AF65-F5344CB8AC3E}">
         <p14:creationId xmlns:p14="http://schemas.microsoft.com/office/powerpoint/2010/main" val="3008261366"/>
+      </p:ext>
+    </p:extLst>
+  </p:cSld>
+  <p:clrMapOvr>
+    <a:masterClrMapping/>
+  </p:clrMapOvr>
+</p:sld>
+</file>
+
+<file path=ppt/slides/slide33.xml><?xml version="1.0" encoding="utf-8"?>
+<p:sld xmlns:a="http://schemas.openxmlformats.org/drawingml/2006/main" xmlns:r="http://schemas.openxmlformats.org/officeDocument/2006/relationships" xmlns:p="http://schemas.openxmlformats.org/presentationml/2006/main">
+  <p:cSld>
+    <p:spTree>
+      <p:nvGrpSpPr>
+        <p:cNvPr id="1" name=""/>
+        <p:cNvGrpSpPr/>
+        <p:nvPr/>
+      </p:nvGrpSpPr>
+      <p:grpSpPr>
+        <a:xfrm>
+          <a:off x="0" y="0"/>
+          <a:ext cx="0" cy="0"/>
+          <a:chOff x="0" y="0"/>
+          <a:chExt cx="0" cy="0"/>
+        </a:xfrm>
+      </p:grpSpPr>
+      <p:sp>
+        <p:nvSpPr>
+          <p:cNvPr id="2" name="Title 1"/>
+          <p:cNvSpPr>
+            <a:spLocks noGrp="1"/>
+          </p:cNvSpPr>
+          <p:nvPr>
+            <p:ph type="title"/>
+          </p:nvPr>
+        </p:nvSpPr>
+        <p:spPr/>
+        <p:txBody>
+          <a:bodyPr>
+            <a:normAutofit fontScale="90000"/>
+          </a:bodyPr>
+          <a:lstStyle/>
+          <a:p>
+            <a:r>
+              <a:rPr lang="en-US" sz="5685" dirty="0">
+                <a:solidFill>
+                  <a:schemeClr val="accent1"/>
+                </a:solidFill>
+                <a:latin typeface="Segoe UI Light" panose="020B0502040204020203" pitchFamily="34" charset="0"/>
+                <a:cs typeface="Segoe UI Light" panose="020B0502040204020203" pitchFamily="34" charset="0"/>
+              </a:rPr>
+              <a:t>Lesson 7 – Catering to the Long Tail</a:t>
+            </a:r>
+          </a:p>
+        </p:txBody>
+      </p:sp>
+      <p:sp>
+        <p:nvSpPr>
+          <p:cNvPr id="7" name="Text Placeholder 2"/>
+          <p:cNvSpPr txBox="1">
+            <a:spLocks/>
+          </p:cNvSpPr>
+          <p:nvPr/>
+        </p:nvSpPr>
+        <p:spPr>
+          <a:xfrm>
+            <a:off x="270069" y="1744717"/>
+            <a:ext cx="3061710" cy="4616823"/>
+          </a:xfrm>
+          <a:prstGeom prst="rect">
+            <a:avLst/>
+          </a:prstGeom>
+        </p:spPr>
+        <p:txBody>
+          <a:bodyPr vert="horz" lIns="91440" tIns="45720" rIns="91440" bIns="45720" rtlCol="0">
+            <a:normAutofit/>
+          </a:bodyPr>
+          <a:lstStyle>
+            <a:lvl1pPr marL="228600" indent="-228600" algn="l" defTabSz="914400" rtl="0" eaLnBrk="1" latinLnBrk="0" hangingPunct="1">
+              <a:lnSpc>
+                <a:spcPct val="90000"/>
+              </a:lnSpc>
+              <a:spcBef>
+                <a:spcPts val="1000"/>
+              </a:spcBef>
+              <a:buFont typeface="Arial" panose="020B0604020202020204" pitchFamily="34" charset="0"/>
+              <a:buChar char="•"/>
+              <a:defRPr sz="2800" kern="1200">
+                <a:solidFill>
+                  <a:schemeClr val="tx1"/>
+                </a:solidFill>
+                <a:latin typeface="+mn-lt"/>
+                <a:ea typeface="+mn-ea"/>
+                <a:cs typeface="+mn-cs"/>
+              </a:defRPr>
+            </a:lvl1pPr>
+            <a:lvl2pPr marL="685800" indent="-228600" algn="l" defTabSz="914400" rtl="0" eaLnBrk="1" latinLnBrk="0" hangingPunct="1">
+              <a:lnSpc>
+                <a:spcPct val="90000"/>
+              </a:lnSpc>
+              <a:spcBef>
+                <a:spcPts val="500"/>
+              </a:spcBef>
+              <a:buFont typeface="Arial" panose="020B0604020202020204" pitchFamily="34" charset="0"/>
+              <a:buChar char="•"/>
+              <a:defRPr sz="2400" kern="1200">
+                <a:solidFill>
+                  <a:schemeClr val="tx1"/>
+                </a:solidFill>
+                <a:latin typeface="+mn-lt"/>
+                <a:ea typeface="+mn-ea"/>
+                <a:cs typeface="+mn-cs"/>
+              </a:defRPr>
+            </a:lvl2pPr>
+            <a:lvl3pPr marL="1143000" indent="-228600" algn="l" defTabSz="914400" rtl="0" eaLnBrk="1" latinLnBrk="0" hangingPunct="1">
+              <a:lnSpc>
+                <a:spcPct val="90000"/>
+              </a:lnSpc>
+              <a:spcBef>
+                <a:spcPts val="500"/>
+              </a:spcBef>
+              <a:buFont typeface="Arial" panose="020B0604020202020204" pitchFamily="34" charset="0"/>
+              <a:buChar char="•"/>
+              <a:defRPr sz="2000" kern="1200">
+                <a:solidFill>
+                  <a:schemeClr val="tx1"/>
+                </a:solidFill>
+                <a:latin typeface="+mn-lt"/>
+                <a:ea typeface="+mn-ea"/>
+                <a:cs typeface="+mn-cs"/>
+              </a:defRPr>
+            </a:lvl3pPr>
+            <a:lvl4pPr marL="1600200" indent="-228600" algn="l" defTabSz="914400" rtl="0" eaLnBrk="1" latinLnBrk="0" hangingPunct="1">
+              <a:lnSpc>
+                <a:spcPct val="90000"/>
+              </a:lnSpc>
+              <a:spcBef>
+                <a:spcPts val="500"/>
+              </a:spcBef>
+              <a:buFont typeface="Arial" panose="020B0604020202020204" pitchFamily="34" charset="0"/>
+              <a:buChar char="•"/>
+              <a:defRPr sz="1800" kern="1200">
+                <a:solidFill>
+                  <a:schemeClr val="tx1"/>
+                </a:solidFill>
+                <a:latin typeface="+mn-lt"/>
+                <a:ea typeface="+mn-ea"/>
+                <a:cs typeface="+mn-cs"/>
+              </a:defRPr>
+            </a:lvl4pPr>
+            <a:lvl5pPr marL="2057400" indent="-228600" algn="l" defTabSz="914400" rtl="0" eaLnBrk="1" latinLnBrk="0" hangingPunct="1">
+              <a:lnSpc>
+                <a:spcPct val="90000"/>
+              </a:lnSpc>
+              <a:spcBef>
+                <a:spcPts val="500"/>
+              </a:spcBef>
+              <a:buFont typeface="Arial" panose="020B0604020202020204" pitchFamily="34" charset="0"/>
+              <a:buChar char="•"/>
+              <a:defRPr sz="1800" kern="1200">
+                <a:solidFill>
+                  <a:schemeClr val="tx1"/>
+                </a:solidFill>
+                <a:latin typeface="+mn-lt"/>
+                <a:ea typeface="+mn-ea"/>
+                <a:cs typeface="+mn-cs"/>
+              </a:defRPr>
+            </a:lvl5pPr>
+            <a:lvl6pPr marL="2514600" indent="-228600" algn="l" defTabSz="914400" rtl="0" eaLnBrk="1" latinLnBrk="0" hangingPunct="1">
+              <a:lnSpc>
+                <a:spcPct val="90000"/>
+              </a:lnSpc>
+              <a:spcBef>
+                <a:spcPts val="500"/>
+              </a:spcBef>
+              <a:buFont typeface="Arial" panose="020B0604020202020204" pitchFamily="34" charset="0"/>
+              <a:buChar char="•"/>
+              <a:defRPr sz="1800" kern="1200">
+                <a:solidFill>
+                  <a:schemeClr val="tx1"/>
+                </a:solidFill>
+                <a:latin typeface="+mn-lt"/>
+                <a:ea typeface="+mn-ea"/>
+                <a:cs typeface="+mn-cs"/>
+              </a:defRPr>
+            </a:lvl6pPr>
+            <a:lvl7pPr marL="2971800" indent="-228600" algn="l" defTabSz="914400" rtl="0" eaLnBrk="1" latinLnBrk="0" hangingPunct="1">
+              <a:lnSpc>
+                <a:spcPct val="90000"/>
+              </a:lnSpc>
+              <a:spcBef>
+                <a:spcPts val="500"/>
+              </a:spcBef>
+              <a:buFont typeface="Arial" panose="020B0604020202020204" pitchFamily="34" charset="0"/>
+              <a:buChar char="•"/>
+              <a:defRPr sz="1800" kern="1200">
+                <a:solidFill>
+                  <a:schemeClr val="tx1"/>
+                </a:solidFill>
+                <a:latin typeface="+mn-lt"/>
+                <a:ea typeface="+mn-ea"/>
+                <a:cs typeface="+mn-cs"/>
+              </a:defRPr>
+            </a:lvl7pPr>
+            <a:lvl8pPr marL="3429000" indent="-228600" algn="l" defTabSz="914400" rtl="0" eaLnBrk="1" latinLnBrk="0" hangingPunct="1">
+              <a:lnSpc>
+                <a:spcPct val="90000"/>
+              </a:lnSpc>
+              <a:spcBef>
+                <a:spcPts val="500"/>
+              </a:spcBef>
+              <a:buFont typeface="Arial" panose="020B0604020202020204" pitchFamily="34" charset="0"/>
+              <a:buChar char="•"/>
+              <a:defRPr sz="1800" kern="1200">
+                <a:solidFill>
+                  <a:schemeClr val="tx1"/>
+                </a:solidFill>
+                <a:latin typeface="+mn-lt"/>
+                <a:ea typeface="+mn-ea"/>
+                <a:cs typeface="+mn-cs"/>
+              </a:defRPr>
+            </a:lvl8pPr>
+            <a:lvl9pPr marL="3886200" indent="-228600" algn="l" defTabSz="914400" rtl="0" eaLnBrk="1" latinLnBrk="0" hangingPunct="1">
+              <a:lnSpc>
+                <a:spcPct val="90000"/>
+              </a:lnSpc>
+              <a:spcBef>
+                <a:spcPts val="500"/>
+              </a:spcBef>
+              <a:buFont typeface="Arial" panose="020B0604020202020204" pitchFamily="34" charset="0"/>
+              <a:buChar char="•"/>
+              <a:defRPr sz="1800" kern="1200">
+                <a:solidFill>
+                  <a:schemeClr val="tx1"/>
+                </a:solidFill>
+                <a:latin typeface="+mn-lt"/>
+                <a:ea typeface="+mn-ea"/>
+                <a:cs typeface="+mn-cs"/>
+              </a:defRPr>
+            </a:lvl9pPr>
+          </a:lstStyle>
+          <a:p>
+            <a:pPr marL="0" indent="0">
+              <a:buFont typeface="Arial" panose="020B0604020202020204" pitchFamily="34" charset="0"/>
+              <a:buNone/>
+            </a:pPr>
+            <a:r>
+              <a:rPr lang="en-US" sz="4000" i="1">
+                <a:latin typeface="Segoe UI Light" panose="020B0502040204020203" pitchFamily="34" charset="0"/>
+                <a:cs typeface="Segoe UI Light" panose="020B0502040204020203" pitchFamily="34" charset="0"/>
+              </a:rPr>
+              <a:t>“70% of searches are unexpected”</a:t>
+            </a:r>
+            <a:r>
+              <a:rPr lang="en-US" sz="4000" baseline="30000">
+                <a:latin typeface="Segoe UI Light" panose="020B0502040204020203" pitchFamily="34" charset="0"/>
+                <a:cs typeface="Segoe UI Light" panose="020B0502040204020203" pitchFamily="34" charset="0"/>
+              </a:rPr>
+              <a:t>1</a:t>
+            </a:r>
+            <a:endParaRPr lang="en-US" sz="4000" baseline="30000" dirty="0">
+              <a:latin typeface="Segoe UI Light" panose="020B0502040204020203" pitchFamily="34" charset="0"/>
+              <a:cs typeface="Segoe UI Light" panose="020B0502040204020203" pitchFamily="34" charset="0"/>
+            </a:endParaRPr>
+          </a:p>
+        </p:txBody>
+      </p:sp>
+      <p:pic>
+        <p:nvPicPr>
+          <p:cNvPr id="8" name="Picture 7"/>
+          <p:cNvPicPr>
+            <a:picLocks noChangeAspect="1"/>
+          </p:cNvPicPr>
+          <p:nvPr/>
+        </p:nvPicPr>
+        <p:blipFill>
+          <a:blip r:embed="rId2"/>
+          <a:stretch>
+            <a:fillRect/>
+          </a:stretch>
+        </p:blipFill>
+        <p:spPr>
+          <a:xfrm>
+            <a:off x="3332514" y="1499013"/>
+            <a:ext cx="8859486" cy="5430008"/>
+          </a:xfrm>
+          <a:prstGeom prst="rect">
+            <a:avLst/>
+          </a:prstGeom>
+        </p:spPr>
+      </p:pic>
+    </p:spTree>
+    <p:extLst>
+      <p:ext uri="{BB962C8B-B14F-4D97-AF65-F5344CB8AC3E}">
+        <p14:creationId xmlns:p14="http://schemas.microsoft.com/office/powerpoint/2010/main" val="237035918"/>
+      </p:ext>
+    </p:extLst>
+  </p:cSld>
+  <p:clrMapOvr>
+    <a:masterClrMapping/>
+  </p:clrMapOvr>
+</p:sld>
+</file>
+
+<file path=ppt/slides/slide34.xml><?xml version="1.0" encoding="utf-8"?>
+<p:sld xmlns:a="http://schemas.openxmlformats.org/drawingml/2006/main" xmlns:r="http://schemas.openxmlformats.org/officeDocument/2006/relationships" xmlns:p="http://schemas.openxmlformats.org/presentationml/2006/main">
+  <p:cSld>
+    <p:spTree>
+      <p:nvGrpSpPr>
+        <p:cNvPr id="1" name=""/>
+        <p:cNvGrpSpPr/>
+        <p:nvPr/>
+      </p:nvGrpSpPr>
+      <p:grpSpPr>
+        <a:xfrm>
+          <a:off x="0" y="0"/>
+          <a:ext cx="0" cy="0"/>
+          <a:chOff x="0" y="0"/>
+          <a:chExt cx="0" cy="0"/>
+        </a:xfrm>
+      </p:grpSpPr>
+      <p:sp>
+        <p:nvSpPr>
+          <p:cNvPr id="2" name="Title 1"/>
+          <p:cNvSpPr>
+            <a:spLocks noGrp="1"/>
+          </p:cNvSpPr>
+          <p:nvPr>
+            <p:ph type="title"/>
+          </p:nvPr>
+        </p:nvSpPr>
+        <p:spPr>
+          <a:xfrm>
+            <a:off x="269242" y="259792"/>
+            <a:ext cx="8417107" cy="1075884"/>
+          </a:xfrm>
+        </p:spPr>
+        <p:txBody>
+          <a:bodyPr vert="horz" lIns="146304" tIns="91440" rIns="146304" bIns="91440" rtlCol="0" anchor="ctr">
+            <a:noAutofit/>
+          </a:bodyPr>
+          <a:lstStyle/>
+          <a:p>
+            <a:r>
+              <a:rPr lang="en-US" sz="4400" dirty="0">
+                <a:latin typeface="Segoe UI Light" panose="020B0502040204020203" pitchFamily="34" charset="0"/>
+                <a:cs typeface="Segoe UI Light" panose="020B0502040204020203" pitchFamily="34" charset="0"/>
+              </a:rPr>
+              <a:t>Synonyms (Preview)</a:t>
+            </a:r>
+          </a:p>
+        </p:txBody>
+      </p:sp>
+      <p:sp>
+        <p:nvSpPr>
+          <p:cNvPr id="3" name="Text Placeholder 2"/>
+          <p:cNvSpPr>
+            <a:spLocks noGrp="1"/>
+          </p:cNvSpPr>
+          <p:nvPr>
+            <p:ph type="body" sz="quarter" idx="4294967295"/>
+          </p:nvPr>
+        </p:nvSpPr>
+        <p:spPr>
+          <a:xfrm>
+            <a:off x="270069" y="1744717"/>
+            <a:ext cx="7879632" cy="4616823"/>
+          </a:xfrm>
+        </p:spPr>
+        <p:txBody>
+          <a:bodyPr>
+            <a:normAutofit fontScale="92500" lnSpcReduction="10000"/>
+          </a:bodyPr>
+          <a:lstStyle/>
+          <a:p>
+            <a:r>
+              <a:rPr lang="en-US" dirty="0"/>
+              <a:t>Associate equivalent terms that implicitly expand the scope of a query, without user having to actually provide terms.  For example:</a:t>
+            </a:r>
+          </a:p>
+          <a:p>
+            <a:pPr lvl="1"/>
+            <a:r>
+              <a:rPr lang="en-US" dirty="0"/>
+              <a:t>"dog" can be associated with “canine” &amp; “puppy”</a:t>
+            </a:r>
+          </a:p>
+          <a:p>
+            <a:r>
+              <a:rPr lang="en-US" dirty="0"/>
+              <a:t>Synonyms are currently in preview, exclusive to the Service REST API (</a:t>
+            </a:r>
+            <a:r>
+              <a:rPr lang="en-US" dirty="0" err="1"/>
+              <a:t>api</a:t>
+            </a:r>
+            <a:r>
+              <a:rPr lang="en-US" dirty="0"/>
+              <a:t>-version=2015-20-28-preview)</a:t>
+            </a:r>
+          </a:p>
+          <a:p>
+            <a:r>
+              <a:rPr lang="en-US" dirty="0"/>
+              <a:t>Word mappings is defined in a “</a:t>
+            </a:r>
+            <a:r>
+              <a:rPr lang="en-US" b="1" dirty="0"/>
+              <a:t>synonym map</a:t>
+            </a:r>
+            <a:r>
+              <a:rPr lang="en-US" dirty="0"/>
+              <a:t>” and is linked to one or more Index fields using </a:t>
+            </a:r>
+            <a:r>
+              <a:rPr lang="en-US" b="1" dirty="0" err="1"/>
+              <a:t>synonymMaps</a:t>
+            </a:r>
+            <a:r>
+              <a:rPr lang="en-US" dirty="0"/>
+              <a:t> in the field definition</a:t>
+            </a:r>
+          </a:p>
+          <a:p>
+            <a:r>
+              <a:rPr lang="en-US" dirty="0"/>
+              <a:t>Synonyms can be updated as needed</a:t>
+            </a:r>
+          </a:p>
+          <a:p>
+            <a:r>
+              <a:rPr lang="en-US" dirty="0"/>
+              <a:t>Ties in well with Search Traffic Analytics (Searches with 0 Results)</a:t>
+            </a:r>
+          </a:p>
+          <a:p>
+            <a:pPr marL="0" indent="0">
+              <a:buNone/>
+            </a:pPr>
+            <a:endParaRPr lang="en-US" sz="4000" dirty="0">
+              <a:latin typeface="Segoe UI Light" panose="020B0502040204020203" pitchFamily="34" charset="0"/>
+              <a:cs typeface="Segoe UI Light" panose="020B0502040204020203" pitchFamily="34" charset="0"/>
+            </a:endParaRPr>
+          </a:p>
+          <a:p>
+            <a:pPr marL="0" indent="0">
+              <a:buNone/>
+            </a:pPr>
+            <a:endParaRPr lang="en-US" sz="4000" dirty="0">
+              <a:latin typeface="Segoe UI Light" panose="020B0502040204020203" pitchFamily="34" charset="0"/>
+              <a:cs typeface="Segoe UI Light" panose="020B0502040204020203" pitchFamily="34" charset="0"/>
+            </a:endParaRPr>
+          </a:p>
+        </p:txBody>
+      </p:sp>
+      <p:pic>
+        <p:nvPicPr>
+          <p:cNvPr id="4" name="Picture 3"/>
+          <p:cNvPicPr>
+            <a:picLocks noChangeAspect="1"/>
+          </p:cNvPicPr>
+          <p:nvPr/>
+        </p:nvPicPr>
+        <p:blipFill>
+          <a:blip r:embed="rId2">
+            <a:extLst>
+              <a:ext uri="{28A0092B-C50C-407E-A947-70E740481C1C}">
+                <a14:useLocalDpi xmlns:a14="http://schemas.microsoft.com/office/drawing/2010/main" val="0"/>
+              </a:ext>
+            </a:extLst>
+          </a:blip>
+          <a:stretch>
+            <a:fillRect/>
+          </a:stretch>
+        </p:blipFill>
+        <p:spPr>
+          <a:xfrm>
+            <a:off x="8008883" y="1744717"/>
+            <a:ext cx="3810532" cy="2857899"/>
+          </a:xfrm>
+          <a:prstGeom prst="rect">
+            <a:avLst/>
+          </a:prstGeom>
+        </p:spPr>
+      </p:pic>
+    </p:spTree>
+    <p:extLst>
+      <p:ext uri="{BB962C8B-B14F-4D97-AF65-F5344CB8AC3E}">
+        <p14:creationId xmlns:p14="http://schemas.microsoft.com/office/powerpoint/2010/main" val="1890839045"/>
+      </p:ext>
+    </p:extLst>
+  </p:cSld>
+  <p:clrMapOvr>
+    <a:masterClrMapping/>
+  </p:clrMapOvr>
+  <p:transition>
+    <p:fade/>
+  </p:transition>
+</p:sld>
+</file>
+
+<file path=ppt/slides/slide35.xml><?xml version="1.0" encoding="utf-8"?>
+<p:sld xmlns:a="http://schemas.openxmlformats.org/drawingml/2006/main" xmlns:r="http://schemas.openxmlformats.org/officeDocument/2006/relationships" xmlns:p="http://schemas.openxmlformats.org/presentationml/2006/main">
+  <p:cSld>
+    <p:spTree>
+      <p:nvGrpSpPr>
+        <p:cNvPr id="1" name=""/>
+        <p:cNvGrpSpPr/>
+        <p:nvPr/>
+      </p:nvGrpSpPr>
+      <p:grpSpPr>
+        <a:xfrm>
+          <a:off x="0" y="0"/>
+          <a:ext cx="0" cy="0"/>
+          <a:chOff x="0" y="0"/>
+          <a:chExt cx="0" cy="0"/>
+        </a:xfrm>
+      </p:grpSpPr>
+      <p:pic>
+        <p:nvPicPr>
+          <p:cNvPr id="5" name="Picture 4"/>
+          <p:cNvPicPr>
+            <a:picLocks noChangeAspect="1"/>
+          </p:cNvPicPr>
+          <p:nvPr/>
+        </p:nvPicPr>
+        <p:blipFill>
+          <a:blip r:embed="rId3" cstate="email">
+            <a:extLst>
+              <a:ext uri="{28A0092B-C50C-407E-A947-70E740481C1C}">
+                <a14:useLocalDpi xmlns:a14="http://schemas.microsoft.com/office/drawing/2010/main"/>
+              </a:ext>
+            </a:extLst>
+          </a:blip>
+          <a:stretch>
+            <a:fillRect/>
+          </a:stretch>
+        </p:blipFill>
+        <p:spPr>
+          <a:xfrm>
+            <a:off x="117385" y="139044"/>
+            <a:ext cx="2330827" cy="857380"/>
+          </a:xfrm>
+          <a:prstGeom prst="rect">
+            <a:avLst/>
+          </a:prstGeom>
+        </p:spPr>
+      </p:pic>
+      <p:sp>
+        <p:nvSpPr>
+          <p:cNvPr id="2" name="TextBox 1"/>
+          <p:cNvSpPr txBox="1"/>
+          <p:nvPr/>
+        </p:nvSpPr>
+        <p:spPr>
+          <a:xfrm>
+            <a:off x="1945178" y="2427316"/>
+            <a:ext cx="5544589" cy="1569660"/>
+          </a:xfrm>
+          <a:prstGeom prst="rect">
+            <a:avLst/>
+          </a:prstGeom>
+          <a:noFill/>
+        </p:spPr>
+        <p:txBody>
+          <a:bodyPr wrap="square" rtlCol="0">
+            <a:spAutoFit/>
+          </a:bodyPr>
+          <a:lstStyle/>
+          <a:p>
+            <a:r>
+              <a:rPr lang="en-US" sz="9600" b="1" dirty="0">
+                <a:latin typeface="Segoe UI Light" panose="020B0502040204020203" pitchFamily="34" charset="0"/>
+                <a:cs typeface="Segoe UI Light" panose="020B0502040204020203" pitchFamily="34" charset="0"/>
+              </a:rPr>
+              <a:t>Demo</a:t>
+            </a:r>
+          </a:p>
+        </p:txBody>
+      </p:sp>
+    </p:spTree>
+    <p:extLst>
+      <p:ext uri="{BB962C8B-B14F-4D97-AF65-F5344CB8AC3E}">
+        <p14:creationId xmlns:p14="http://schemas.microsoft.com/office/powerpoint/2010/main" val="1596607707"/>
       </p:ext>
     </p:extLst>
   </p:cSld>

--- a/Xamarin Azure Search Tutorial.pptx
+++ b/Xamarin Azure Search Tutorial.pptx
@@ -700,7 +700,7 @@
                 </a:solidFill>
               </a:rPr>
               <a:pPr/>
-              <a:t>9/1/2016 3:20 PM</a:t>
+              <a:t>9/1/2016 3:28 PM</a:t>
             </a:fld>
             <a:endParaRPr lang="en-US" dirty="0">
               <a:solidFill>
@@ -930,7 +930,7 @@
                 </a:solidFill>
               </a:rPr>
               <a:pPr/>
-              <a:t>9/1/2016 3:20 PM</a:t>
+              <a:t>9/1/2016 3:28 PM</a:t>
             </a:fld>
             <a:endParaRPr lang="en-US" dirty="0">
               <a:solidFill>
@@ -1160,7 +1160,7 @@
                 </a:solidFill>
               </a:rPr>
               <a:pPr/>
-              <a:t>9/1/2016 3:21 PM</a:t>
+              <a:t>9/1/2016 3:28 PM</a:t>
             </a:fld>
             <a:endParaRPr lang="en-US" dirty="0">
               <a:solidFill>
@@ -1390,7 +1390,7 @@
                 </a:solidFill>
               </a:rPr>
               <a:pPr/>
-              <a:t>9/1/2016 3:20 PM</a:t>
+              <a:t>9/1/2016 3:28 PM</a:t>
             </a:fld>
             <a:endParaRPr lang="en-US" dirty="0">
               <a:solidFill>
@@ -1620,7 +1620,7 @@
                 </a:solidFill>
               </a:rPr>
               <a:pPr/>
-              <a:t>9/1/2016 3:20 PM</a:t>
+              <a:t>9/1/2016 3:28 PM</a:t>
             </a:fld>
             <a:endParaRPr lang="en-US" dirty="0">
               <a:solidFill>
@@ -1888,7 +1888,7 @@
           <a:p>
             <a:fld id="{38EEC551-8CDA-4EB6-89BB-2A86C9F091C8}" type="datetime8">
               <a:rPr lang="en-US" smtClean="0"/>
-              <a:t>9/1/2016 3:20 PM</a:t>
+              <a:t>9/1/2016 3:28 PM</a:t>
             </a:fld>
             <a:endParaRPr lang="en-US" dirty="0"/>
           </a:p>
@@ -2077,7 +2077,7 @@
           <a:p>
             <a:fld id="{38EEC551-8CDA-4EB6-89BB-2A86C9F091C8}" type="datetime8">
               <a:rPr lang="en-US" smtClean="0"/>
-              <a:t>9/1/2016 3:20 PM</a:t>
+              <a:t>9/1/2016 3:28 PM</a:t>
             </a:fld>
             <a:endParaRPr lang="en-US" dirty="0"/>
           </a:p>
@@ -2228,7 +2228,7 @@
                 </a:solidFill>
               </a:rPr>
               <a:pPr/>
-              <a:t>9/1/2016 3:20 PM</a:t>
+              <a:t>9/1/2016 3:28 PM</a:t>
             </a:fld>
             <a:endParaRPr lang="en-US" dirty="0">
               <a:solidFill>
@@ -2458,7 +2458,7 @@
                 </a:solidFill>
               </a:rPr>
               <a:pPr/>
-              <a:t>9/1/2016 3:20 PM</a:t>
+              <a:t>9/1/2016 3:28 PM</a:t>
             </a:fld>
             <a:endParaRPr lang="en-US" dirty="0">
               <a:solidFill>
@@ -2688,7 +2688,7 @@
                 </a:solidFill>
               </a:rPr>
               <a:pPr/>
-              <a:t>9/1/2016 3:20 PM</a:t>
+              <a:t>9/1/2016 3:28 PM</a:t>
             </a:fld>
             <a:endParaRPr lang="en-US" dirty="0">
               <a:solidFill>
@@ -2918,7 +2918,7 @@
                 </a:solidFill>
               </a:rPr>
               <a:pPr/>
-              <a:t>9/1/2016 3:20 PM</a:t>
+              <a:t>9/1/2016 3:28 PM</a:t>
             </a:fld>
             <a:endParaRPr lang="en-US" dirty="0">
               <a:solidFill>
@@ -25788,12 +25788,16 @@
           <a:lstStyle/>
           <a:p>
             <a:r>
-              <a:rPr lang="en-US" sz="9600" b="1" dirty="0">
+              <a:rPr lang="en-US" sz="9600" b="1">
                 <a:latin typeface="Segoe UI Light" panose="020B0502040204020203" pitchFamily="34" charset="0"/>
                 <a:cs typeface="Segoe UI Light" panose="020B0502040204020203" pitchFamily="34" charset="0"/>
               </a:rPr>
               <a:t>Demo</a:t>
             </a:r>
+            <a:endParaRPr lang="en-US" sz="9600" b="1" dirty="0">
+              <a:latin typeface="Segoe UI Light" panose="020B0502040204020203" pitchFamily="34" charset="0"/>
+              <a:cs typeface="Segoe UI Light" panose="020B0502040204020203" pitchFamily="34" charset="0"/>
+            </a:endParaRPr>
           </a:p>
         </p:txBody>
       </p:sp>

--- a/Xamarin Azure Search Tutorial.pptx
+++ b/Xamarin Azure Search Tutorial.pptx
@@ -6,7 +6,7 @@
     <p:sldMasterId id="2147483662" r:id="rId2"/>
   </p:sldMasterIdLst>
   <p:notesMasterIdLst>
-    <p:notesMasterId r:id="rId38"/>
+    <p:notesMasterId r:id="rId40"/>
   </p:notesMasterIdLst>
   <p:sldIdLst>
     <p:sldId id="267" r:id="rId3"/>
@@ -41,9 +41,11 @@
     <p:sldId id="318" r:id="rId32"/>
     <p:sldId id="325" r:id="rId33"/>
     <p:sldId id="326" r:id="rId34"/>
-    <p:sldId id="327" r:id="rId35"/>
-    <p:sldId id="328" r:id="rId36"/>
+    <p:sldId id="331" r:id="rId35"/>
+    <p:sldId id="332" r:id="rId36"/>
     <p:sldId id="330" r:id="rId37"/>
+    <p:sldId id="327" r:id="rId38"/>
+    <p:sldId id="328" r:id="rId39"/>
   </p:sldIdLst>
   <p:sldSz cx="12192000" cy="6858000"/>
   <p:notesSz cx="6858000" cy="9144000"/>
@@ -232,7 +234,7 @@
           <a:p>
             <a:fld id="{D22869F2-CA65-475A-A57C-3086E8EBE859}" type="datetimeFigureOut">
               <a:rPr lang="en-US" smtClean="0"/>
-              <a:t>9/1/2016</a:t>
+              <a:t>9/6/2016</a:t>
             </a:fld>
             <a:endParaRPr lang="en-US"/>
           </a:p>
@@ -700,7 +702,7 @@
                 </a:solidFill>
               </a:rPr>
               <a:pPr/>
-              <a:t>9/1/2016 3:28 PM</a:t>
+              <a:t>9/6/2016 10:31 AM</a:t>
             </a:fld>
             <a:endParaRPr lang="en-US" dirty="0">
               <a:solidFill>
@@ -930,7 +932,7 @@
                 </a:solidFill>
               </a:rPr>
               <a:pPr/>
-              <a:t>9/1/2016 3:28 PM</a:t>
+              <a:t>9/6/2016 10:31 AM</a:t>
             </a:fld>
             <a:endParaRPr lang="en-US" dirty="0">
               <a:solidFill>
@@ -1160,7 +1162,7 @@
                 </a:solidFill>
               </a:rPr>
               <a:pPr/>
-              <a:t>9/1/2016 3:28 PM</a:t>
+              <a:t>9/6/2016 10:31 AM</a:t>
             </a:fld>
             <a:endParaRPr lang="en-US" dirty="0">
               <a:solidFill>
@@ -1390,7 +1392,7 @@
                 </a:solidFill>
               </a:rPr>
               <a:pPr/>
-              <a:t>9/1/2016 3:28 PM</a:t>
+              <a:t>9/6/2016 10:31 AM</a:t>
             </a:fld>
             <a:endParaRPr lang="en-US" dirty="0">
               <a:solidFill>
@@ -1620,7 +1622,7 @@
                 </a:solidFill>
               </a:rPr>
               <a:pPr/>
-              <a:t>9/1/2016 3:28 PM</a:t>
+              <a:t>9/6/2016 10:31 AM</a:t>
             </a:fld>
             <a:endParaRPr lang="en-US" dirty="0">
               <a:solidFill>
@@ -1888,7 +1890,7 @@
           <a:p>
             <a:fld id="{38EEC551-8CDA-4EB6-89BB-2A86C9F091C8}" type="datetime8">
               <a:rPr lang="en-US" smtClean="0"/>
-              <a:t>9/1/2016 3:28 PM</a:t>
+              <a:t>9/6/2016 10:31 AM</a:t>
             </a:fld>
             <a:endParaRPr lang="en-US" dirty="0"/>
           </a:p>
@@ -2077,7 +2079,7 @@
           <a:p>
             <a:fld id="{38EEC551-8CDA-4EB6-89BB-2A86C9F091C8}" type="datetime8">
               <a:rPr lang="en-US" smtClean="0"/>
-              <a:t>9/1/2016 3:28 PM</a:t>
+              <a:t>9/6/2016 10:31 AM</a:t>
             </a:fld>
             <a:endParaRPr lang="en-US" dirty="0"/>
           </a:p>
@@ -2228,7 +2230,7 @@
                 </a:solidFill>
               </a:rPr>
               <a:pPr/>
-              <a:t>9/1/2016 3:28 PM</a:t>
+              <a:t>9/6/2016 10:31 AM</a:t>
             </a:fld>
             <a:endParaRPr lang="en-US" dirty="0">
               <a:solidFill>
@@ -2458,7 +2460,7 @@
                 </a:solidFill>
               </a:rPr>
               <a:pPr/>
-              <a:t>9/1/2016 3:28 PM</a:t>
+              <a:t>9/6/2016 10:31 AM</a:t>
             </a:fld>
             <a:endParaRPr lang="en-US" dirty="0">
               <a:solidFill>
@@ -2688,7 +2690,7 @@
                 </a:solidFill>
               </a:rPr>
               <a:pPr/>
-              <a:t>9/1/2016 3:28 PM</a:t>
+              <a:t>9/6/2016 10:31 AM</a:t>
             </a:fld>
             <a:endParaRPr lang="en-US" dirty="0">
               <a:solidFill>
@@ -2918,7 +2920,7 @@
                 </a:solidFill>
               </a:rPr>
               <a:pPr/>
-              <a:t>9/1/2016 3:28 PM</a:t>
+              <a:t>9/6/2016 10:31 AM</a:t>
             </a:fld>
             <a:endParaRPr lang="en-US" dirty="0">
               <a:solidFill>
@@ -3169,7 +3171,7 @@
           <a:p>
             <a:fld id="{0E3D3D7C-BDD5-46A4-92A3-3C28E152440C}" type="datetimeFigureOut">
               <a:rPr lang="en-US" smtClean="0"/>
-              <a:t>9/1/2016</a:t>
+              <a:t>9/6/2016</a:t>
             </a:fld>
             <a:endParaRPr lang="en-US"/>
           </a:p>
@@ -3337,7 +3339,7 @@
           <a:p>
             <a:fld id="{0E3D3D7C-BDD5-46A4-92A3-3C28E152440C}" type="datetimeFigureOut">
               <a:rPr lang="en-US" smtClean="0"/>
-              <a:t>9/1/2016</a:t>
+              <a:t>9/6/2016</a:t>
             </a:fld>
             <a:endParaRPr lang="en-US"/>
           </a:p>
@@ -3515,7 +3517,7 @@
           <a:p>
             <a:fld id="{0E3D3D7C-BDD5-46A4-92A3-3C28E152440C}" type="datetimeFigureOut">
               <a:rPr lang="en-US" smtClean="0"/>
-              <a:t>9/1/2016</a:t>
+              <a:t>9/6/2016</a:t>
             </a:fld>
             <a:endParaRPr lang="en-US"/>
           </a:p>
@@ -8392,7 +8394,7 @@
           <a:p>
             <a:fld id="{0E3D3D7C-BDD5-46A4-92A3-3C28E152440C}" type="datetimeFigureOut">
               <a:rPr lang="en-US" smtClean="0"/>
-              <a:t>9/1/2016</a:t>
+              <a:t>9/6/2016</a:t>
             </a:fld>
             <a:endParaRPr lang="en-US"/>
           </a:p>
@@ -11093,7 +11095,7 @@
           <a:p>
             <a:fld id="{0E3D3D7C-BDD5-46A4-92A3-3C28E152440C}" type="datetimeFigureOut">
               <a:rPr lang="en-US" smtClean="0"/>
-              <a:t>9/1/2016</a:t>
+              <a:t>9/6/2016</a:t>
             </a:fld>
             <a:endParaRPr lang="en-US"/>
           </a:p>
@@ -13225,7 +13227,7 @@
           <a:p>
             <a:fld id="{0E3D3D7C-BDD5-46A4-92A3-3C28E152440C}" type="datetimeFigureOut">
               <a:rPr lang="en-US" smtClean="0"/>
-              <a:t>9/1/2016</a:t>
+              <a:t>9/6/2016</a:t>
             </a:fld>
             <a:endParaRPr lang="en-US"/>
           </a:p>
@@ -13407,7 +13409,7 @@
                 </a:solidFill>
               </a:rPr>
               <a:pPr defTabSz="914192"/>
-              <a:t>9/1/2016</a:t>
+              <a:t>9/6/2016</a:t>
             </a:fld>
             <a:endParaRPr lang="en-US">
               <a:solidFill>
@@ -13666,7 +13668,7 @@
                 </a:solidFill>
               </a:rPr>
               <a:pPr/>
-              <a:t>9/1/2016</a:t>
+              <a:t>9/6/2016</a:t>
             </a:fld>
             <a:endParaRPr lang="en-US">
               <a:solidFill>
@@ -14047,7 +14049,7 @@
           <a:p>
             <a:fld id="{0E3D3D7C-BDD5-46A4-92A3-3C28E152440C}" type="datetimeFigureOut">
               <a:rPr lang="en-US" smtClean="0"/>
-              <a:t>9/1/2016</a:t>
+              <a:t>9/6/2016</a:t>
             </a:fld>
             <a:endParaRPr lang="en-US"/>
           </a:p>
@@ -14164,7 +14166,7 @@
           <a:p>
             <a:fld id="{0E3D3D7C-BDD5-46A4-92A3-3C28E152440C}" type="datetimeFigureOut">
               <a:rPr lang="en-US" smtClean="0"/>
-              <a:t>9/1/2016</a:t>
+              <a:t>9/6/2016</a:t>
             </a:fld>
             <a:endParaRPr lang="en-US"/>
           </a:p>
@@ -14259,7 +14261,7 @@
           <a:p>
             <a:fld id="{0E3D3D7C-BDD5-46A4-92A3-3C28E152440C}" type="datetimeFigureOut">
               <a:rPr lang="en-US" smtClean="0"/>
-              <a:t>9/1/2016</a:t>
+              <a:t>9/6/2016</a:t>
             </a:fld>
             <a:endParaRPr lang="en-US"/>
           </a:p>
@@ -14534,7 +14536,7 @@
           <a:p>
             <a:fld id="{0E3D3D7C-BDD5-46A4-92A3-3C28E152440C}" type="datetimeFigureOut">
               <a:rPr lang="en-US" smtClean="0"/>
-              <a:t>9/1/2016</a:t>
+              <a:t>9/6/2016</a:t>
             </a:fld>
             <a:endParaRPr lang="en-US"/>
           </a:p>
@@ -14786,7 +14788,7 @@
           <a:p>
             <a:fld id="{0E3D3D7C-BDD5-46A4-92A3-3C28E152440C}" type="datetimeFigureOut">
               <a:rPr lang="en-US" smtClean="0"/>
-              <a:t>9/1/2016</a:t>
+              <a:t>9/6/2016</a:t>
             </a:fld>
             <a:endParaRPr lang="en-US"/>
           </a:p>
@@ -14997,7 +14999,7 @@
           <a:p>
             <a:fld id="{0E3D3D7C-BDD5-46A4-92A3-3C28E152440C}" type="datetimeFigureOut">
               <a:rPr lang="en-US" smtClean="0"/>
-              <a:t>9/1/2016</a:t>
+              <a:t>9/6/2016</a:t>
             </a:fld>
             <a:endParaRPr lang="en-US"/>
           </a:p>
@@ -25256,7 +25258,7 @@
         <p:spPr/>
         <p:txBody>
           <a:bodyPr>
-            <a:normAutofit fontScale="90000"/>
+            <a:normAutofit/>
           </a:bodyPr>
           <a:lstStyle/>
           <a:p>
@@ -25268,225 +25270,146 @@
                 <a:latin typeface="Segoe UI Light" panose="020B0502040204020203" pitchFamily="34" charset="0"/>
                 <a:cs typeface="Segoe UI Light" panose="020B0502040204020203" pitchFamily="34" charset="0"/>
               </a:rPr>
-              <a:t>Lesson 7 – Catering to the Long Tail</a:t>
-            </a:r>
-          </a:p>
-        </p:txBody>
-      </p:sp>
-      <p:sp>
-        <p:nvSpPr>
-          <p:cNvPr id="7" name="Text Placeholder 2"/>
-          <p:cNvSpPr txBox="1">
-            <a:spLocks/>
+              <a:t>Lesson 7 – Scoring and Tuning</a:t>
+            </a:r>
+          </a:p>
+        </p:txBody>
+      </p:sp>
+      <p:sp>
+        <p:nvSpPr>
+          <p:cNvPr id="3" name="Content Placeholder 2"/>
+          <p:cNvSpPr>
+            <a:spLocks noGrp="1"/>
           </p:cNvSpPr>
-          <p:nvPr/>
+          <p:nvPr>
+            <p:ph idx="1"/>
+          </p:nvPr>
         </p:nvSpPr>
         <p:spPr>
           <a:xfrm>
-            <a:off x="270069" y="1744717"/>
-            <a:ext cx="3061710" cy="4616823"/>
+            <a:off x="683581" y="1825625"/>
+            <a:ext cx="8859914" cy="4708340"/>
           </a:xfrm>
-          <a:prstGeom prst="rect">
-            <a:avLst/>
-          </a:prstGeom>
         </p:spPr>
         <p:txBody>
-          <a:bodyPr vert="horz" lIns="91440" tIns="45720" rIns="91440" bIns="45720" rtlCol="0">
-            <a:normAutofit/>
+          <a:bodyPr>
+            <a:noAutofit/>
           </a:bodyPr>
-          <a:lstStyle>
-            <a:lvl1pPr marL="228600" indent="-228600" algn="l" defTabSz="914400" rtl="0" eaLnBrk="1" latinLnBrk="0" hangingPunct="1">
-              <a:lnSpc>
-                <a:spcPct val="90000"/>
-              </a:lnSpc>
-              <a:spcBef>
-                <a:spcPts val="1000"/>
-              </a:spcBef>
-              <a:buFont typeface="Arial" panose="020B0604020202020204" pitchFamily="34" charset="0"/>
-              <a:buChar char="•"/>
-              <a:defRPr sz="2800" kern="1200">
-                <a:solidFill>
-                  <a:schemeClr val="tx1"/>
-                </a:solidFill>
-                <a:latin typeface="+mn-lt"/>
-                <a:ea typeface="+mn-ea"/>
-                <a:cs typeface="+mn-cs"/>
-              </a:defRPr>
-            </a:lvl1pPr>
-            <a:lvl2pPr marL="685800" indent="-228600" algn="l" defTabSz="914400" rtl="0" eaLnBrk="1" latinLnBrk="0" hangingPunct="1">
-              <a:lnSpc>
-                <a:spcPct val="90000"/>
-              </a:lnSpc>
-              <a:spcBef>
-                <a:spcPts val="500"/>
-              </a:spcBef>
-              <a:buFont typeface="Arial" panose="020B0604020202020204" pitchFamily="34" charset="0"/>
-              <a:buChar char="•"/>
-              <a:defRPr sz="2400" kern="1200">
-                <a:solidFill>
-                  <a:schemeClr val="tx1"/>
-                </a:solidFill>
-                <a:latin typeface="+mn-lt"/>
-                <a:ea typeface="+mn-ea"/>
-                <a:cs typeface="+mn-cs"/>
-              </a:defRPr>
-            </a:lvl2pPr>
-            <a:lvl3pPr marL="1143000" indent="-228600" algn="l" defTabSz="914400" rtl="0" eaLnBrk="1" latinLnBrk="0" hangingPunct="1">
-              <a:lnSpc>
-                <a:spcPct val="90000"/>
-              </a:lnSpc>
-              <a:spcBef>
-                <a:spcPts val="500"/>
-              </a:spcBef>
-              <a:buFont typeface="Arial" panose="020B0604020202020204" pitchFamily="34" charset="0"/>
-              <a:buChar char="•"/>
-              <a:defRPr sz="2000" kern="1200">
-                <a:solidFill>
-                  <a:schemeClr val="tx1"/>
-                </a:solidFill>
-                <a:latin typeface="+mn-lt"/>
-                <a:ea typeface="+mn-ea"/>
-                <a:cs typeface="+mn-cs"/>
-              </a:defRPr>
-            </a:lvl3pPr>
-            <a:lvl4pPr marL="1600200" indent="-228600" algn="l" defTabSz="914400" rtl="0" eaLnBrk="1" latinLnBrk="0" hangingPunct="1">
-              <a:lnSpc>
-                <a:spcPct val="90000"/>
-              </a:lnSpc>
-              <a:spcBef>
-                <a:spcPts val="500"/>
-              </a:spcBef>
-              <a:buFont typeface="Arial" panose="020B0604020202020204" pitchFamily="34" charset="0"/>
-              <a:buChar char="•"/>
-              <a:defRPr sz="1800" kern="1200">
-                <a:solidFill>
-                  <a:schemeClr val="tx1"/>
-                </a:solidFill>
-                <a:latin typeface="+mn-lt"/>
-                <a:ea typeface="+mn-ea"/>
-                <a:cs typeface="+mn-cs"/>
-              </a:defRPr>
-            </a:lvl4pPr>
-            <a:lvl5pPr marL="2057400" indent="-228600" algn="l" defTabSz="914400" rtl="0" eaLnBrk="1" latinLnBrk="0" hangingPunct="1">
-              <a:lnSpc>
-                <a:spcPct val="90000"/>
-              </a:lnSpc>
-              <a:spcBef>
-                <a:spcPts val="500"/>
-              </a:spcBef>
-              <a:buFont typeface="Arial" panose="020B0604020202020204" pitchFamily="34" charset="0"/>
-              <a:buChar char="•"/>
-              <a:defRPr sz="1800" kern="1200">
-                <a:solidFill>
-                  <a:schemeClr val="tx1"/>
-                </a:solidFill>
-                <a:latin typeface="+mn-lt"/>
-                <a:ea typeface="+mn-ea"/>
-                <a:cs typeface="+mn-cs"/>
-              </a:defRPr>
-            </a:lvl5pPr>
-            <a:lvl6pPr marL="2514600" indent="-228600" algn="l" defTabSz="914400" rtl="0" eaLnBrk="1" latinLnBrk="0" hangingPunct="1">
-              <a:lnSpc>
-                <a:spcPct val="90000"/>
-              </a:lnSpc>
-              <a:spcBef>
-                <a:spcPts val="500"/>
-              </a:spcBef>
-              <a:buFont typeface="Arial" panose="020B0604020202020204" pitchFamily="34" charset="0"/>
-              <a:buChar char="•"/>
-              <a:defRPr sz="1800" kern="1200">
-                <a:solidFill>
-                  <a:schemeClr val="tx1"/>
-                </a:solidFill>
-                <a:latin typeface="+mn-lt"/>
-                <a:ea typeface="+mn-ea"/>
-                <a:cs typeface="+mn-cs"/>
-              </a:defRPr>
-            </a:lvl6pPr>
-            <a:lvl7pPr marL="2971800" indent="-228600" algn="l" defTabSz="914400" rtl="0" eaLnBrk="1" latinLnBrk="0" hangingPunct="1">
-              <a:lnSpc>
-                <a:spcPct val="90000"/>
-              </a:lnSpc>
-              <a:spcBef>
-                <a:spcPts val="500"/>
-              </a:spcBef>
-              <a:buFont typeface="Arial" panose="020B0604020202020204" pitchFamily="34" charset="0"/>
-              <a:buChar char="•"/>
-              <a:defRPr sz="1800" kern="1200">
-                <a:solidFill>
-                  <a:schemeClr val="tx1"/>
-                </a:solidFill>
-                <a:latin typeface="+mn-lt"/>
-                <a:ea typeface="+mn-ea"/>
-                <a:cs typeface="+mn-cs"/>
-              </a:defRPr>
-            </a:lvl7pPr>
-            <a:lvl8pPr marL="3429000" indent="-228600" algn="l" defTabSz="914400" rtl="0" eaLnBrk="1" latinLnBrk="0" hangingPunct="1">
-              <a:lnSpc>
-                <a:spcPct val="90000"/>
-              </a:lnSpc>
-              <a:spcBef>
-                <a:spcPts val="500"/>
-              </a:spcBef>
-              <a:buFont typeface="Arial" panose="020B0604020202020204" pitchFamily="34" charset="0"/>
-              <a:buChar char="•"/>
-              <a:defRPr sz="1800" kern="1200">
-                <a:solidFill>
-                  <a:schemeClr val="tx1"/>
-                </a:solidFill>
-                <a:latin typeface="+mn-lt"/>
-                <a:ea typeface="+mn-ea"/>
-                <a:cs typeface="+mn-cs"/>
-              </a:defRPr>
-            </a:lvl8pPr>
-            <a:lvl9pPr marL="3886200" indent="-228600" algn="l" defTabSz="914400" rtl="0" eaLnBrk="1" latinLnBrk="0" hangingPunct="1">
-              <a:lnSpc>
-                <a:spcPct val="90000"/>
-              </a:lnSpc>
-              <a:spcBef>
-                <a:spcPts val="500"/>
-              </a:spcBef>
-              <a:buFont typeface="Arial" panose="020B0604020202020204" pitchFamily="34" charset="0"/>
-              <a:buChar char="•"/>
-              <a:defRPr sz="1800" kern="1200">
-                <a:solidFill>
-                  <a:schemeClr val="tx1"/>
-                </a:solidFill>
-                <a:latin typeface="+mn-lt"/>
-                <a:ea typeface="+mn-ea"/>
-                <a:cs typeface="+mn-cs"/>
-              </a:defRPr>
-            </a:lvl9pPr>
-          </a:lstStyle>
+          <a:lstStyle/>
           <a:p>
             <a:pPr marL="0" indent="0">
-              <a:buFont typeface="Arial" panose="020B0604020202020204" pitchFamily="34" charset="0"/>
               <a:buNone/>
             </a:pPr>
             <a:r>
-              <a:rPr lang="en-US" sz="4000" i="1">
+              <a:rPr lang="en-US" sz="3921" dirty="0">
                 <a:latin typeface="Segoe UI Light" panose="020B0502040204020203" pitchFamily="34" charset="0"/>
                 <a:cs typeface="Segoe UI Light" panose="020B0502040204020203" pitchFamily="34" charset="0"/>
               </a:rPr>
-              <a:t>“70% of searches are unexpected”</a:t>
-            </a:r>
-            <a:r>
-              <a:rPr lang="en-US" sz="4000" baseline="30000">
+              <a:t>Scoring profiles</a:t>
+            </a:r>
+          </a:p>
+          <a:p>
+            <a:pPr lvl="1">
+              <a:buFont typeface="Wingdings" panose="05000000000000000000" pitchFamily="2" charset="2"/>
+              <a:buChar char="§"/>
+            </a:pPr>
+            <a:r>
+              <a:rPr lang="en-US" sz="2353" dirty="0">
                 <a:latin typeface="Segoe UI Light" panose="020B0502040204020203" pitchFamily="34" charset="0"/>
                 <a:cs typeface="Segoe UI Light" panose="020B0502040204020203" pitchFamily="34" charset="0"/>
               </a:rPr>
-              <a:t>1</a:t>
-            </a:r>
-            <a:endParaRPr lang="en-US" sz="4000" baseline="30000" dirty="0">
+              <a:t>Field weights</a:t>
+            </a:r>
+          </a:p>
+          <a:p>
+            <a:pPr lvl="1">
+              <a:buFont typeface="Wingdings" panose="05000000000000000000" pitchFamily="2" charset="2"/>
+              <a:buChar char="§"/>
+            </a:pPr>
+            <a:r>
+              <a:rPr lang="en-US" sz="2353" dirty="0">
+                <a:latin typeface="Segoe UI Light" panose="020B0502040204020203" pitchFamily="34" charset="0"/>
+                <a:cs typeface="Segoe UI Light" panose="020B0502040204020203" pitchFamily="34" charset="0"/>
+              </a:rPr>
+              <a:t>Scoring functions</a:t>
+            </a:r>
+          </a:p>
+          <a:p>
+            <a:pPr lvl="1">
+              <a:buFont typeface="Wingdings" panose="05000000000000000000" pitchFamily="2" charset="2"/>
+              <a:buChar char="§"/>
+            </a:pPr>
+            <a:r>
+              <a:rPr lang="en-US" sz="2353" dirty="0">
+                <a:latin typeface="Segoe UI Light" panose="020B0502040204020203" pitchFamily="34" charset="0"/>
+                <a:cs typeface="Segoe UI Light" panose="020B0502040204020203" pitchFamily="34" charset="0"/>
+              </a:rPr>
+              <a:t>magnitude, freshness, distance, tags</a:t>
+            </a:r>
+          </a:p>
+          <a:p>
+            <a:pPr lvl="1"/>
+            <a:endParaRPr lang="en-US" sz="2353" dirty="0">
               <a:latin typeface="Segoe UI Light" panose="020B0502040204020203" pitchFamily="34" charset="0"/>
               <a:cs typeface="Segoe UI Light" panose="020B0502040204020203" pitchFamily="34" charset="0"/>
             </a:endParaRPr>
           </a:p>
+          <a:p>
+            <a:pPr marL="0" indent="0">
+              <a:buNone/>
+            </a:pPr>
+            <a:r>
+              <a:rPr lang="en-US" sz="3921" dirty="0">
+                <a:latin typeface="Segoe UI Light" panose="020B0502040204020203" pitchFamily="34" charset="0"/>
+                <a:cs typeface="Segoe UI Light" panose="020B0502040204020203" pitchFamily="34" charset="0"/>
+              </a:rPr>
+              <a:t>3 main patterns</a:t>
+            </a:r>
+          </a:p>
+          <a:p>
+            <a:pPr lvl="1">
+              <a:buFont typeface="Wingdings" panose="05000000000000000000" pitchFamily="2" charset="2"/>
+              <a:buChar char="§"/>
+            </a:pPr>
+            <a:r>
+              <a:rPr lang="en-US" sz="2353" dirty="0">
+                <a:latin typeface="Segoe UI Light" panose="020B0502040204020203" pitchFamily="34" charset="0"/>
+                <a:cs typeface="Segoe UI Light" panose="020B0502040204020203" pitchFamily="34" charset="0"/>
+              </a:rPr>
+              <a:t>Known data directly available in the index</a:t>
+            </a:r>
+          </a:p>
+          <a:p>
+            <a:pPr lvl="1">
+              <a:buFont typeface="Wingdings" panose="05000000000000000000" pitchFamily="2" charset="2"/>
+              <a:buChar char="§"/>
+            </a:pPr>
+            <a:r>
+              <a:rPr lang="en-US" sz="2353" dirty="0">
+                <a:latin typeface="Segoe UI Light" panose="020B0502040204020203" pitchFamily="34" charset="0"/>
+                <a:cs typeface="Segoe UI Light" panose="020B0502040204020203" pitchFamily="34" charset="0"/>
+              </a:rPr>
+              <a:t>Personalization using tag boosting</a:t>
+            </a:r>
+          </a:p>
+          <a:p>
+            <a:pPr lvl="1">
+              <a:buFont typeface="Wingdings" panose="05000000000000000000" pitchFamily="2" charset="2"/>
+              <a:buChar char="§"/>
+            </a:pPr>
+            <a:r>
+              <a:rPr lang="en-US" sz="2353" dirty="0">
+                <a:latin typeface="Segoe UI Light" panose="020B0502040204020203" pitchFamily="34" charset="0"/>
+                <a:cs typeface="Segoe UI Light" panose="020B0502040204020203" pitchFamily="34" charset="0"/>
+              </a:rPr>
+              <a:t>Analytics, compute externally and push to the index</a:t>
+            </a:r>
+          </a:p>
         </p:txBody>
       </p:sp>
       <p:pic>
         <p:nvPicPr>
-          <p:cNvPr id="8" name="Picture 7"/>
+          <p:cNvPr id="6" name="Picture 5"/>
           <p:cNvPicPr>
             <a:picLocks noChangeAspect="1"/>
           </p:cNvPicPr>
@@ -25500,8 +25423,8 @@
         </p:blipFill>
         <p:spPr>
           <a:xfrm>
-            <a:off x="3332514" y="1499013"/>
-            <a:ext cx="8859486" cy="5430008"/>
+            <a:off x="8182588" y="1825625"/>
+            <a:ext cx="3504573" cy="2457194"/>
           </a:xfrm>
           <a:prstGeom prst="rect">
             <a:avLst/>
@@ -25511,7 +25434,7 @@
     </p:spTree>
     <p:extLst>
       <p:ext uri="{BB962C8B-B14F-4D97-AF65-F5344CB8AC3E}">
-        <p14:creationId xmlns:p14="http://schemas.microsoft.com/office/powerpoint/2010/main" val="237035918"/>
+        <p14:creationId xmlns:p14="http://schemas.microsoft.com/office/powerpoint/2010/main" val="3491565495"/>
       </p:ext>
     </p:extLst>
   </p:cSld>
@@ -25551,7 +25474,7 @@
         <p:spPr>
           <a:xfrm>
             <a:off x="269242" y="259792"/>
-            <a:ext cx="8417107" cy="1075884"/>
+            <a:ext cx="11511426" cy="1075884"/>
           </a:xfrm>
         </p:spPr>
         <p:txBody>
@@ -25565,7 +25488,7 @@
                 <a:latin typeface="Segoe UI Light" panose="020B0502040204020203" pitchFamily="34" charset="0"/>
                 <a:cs typeface="Segoe UI Light" panose="020B0502040204020203" pitchFamily="34" charset="0"/>
               </a:rPr>
-              <a:t>Synonyms (Preview)</a:t>
+              <a:t>Tuning Results based on Users Geo-Location</a:t>
             </a:r>
           </a:p>
         </p:txBody>
@@ -25582,93 +25505,161 @@
         </p:nvSpPr>
         <p:spPr>
           <a:xfrm>
-            <a:off x="270069" y="1744717"/>
-            <a:ext cx="7879632" cy="4616823"/>
+            <a:off x="270068" y="1744717"/>
+            <a:ext cx="9242111" cy="4616823"/>
           </a:xfrm>
         </p:spPr>
         <p:txBody>
           <a:bodyPr>
-            <a:normAutofit fontScale="92500" lnSpcReduction="10000"/>
+            <a:normAutofit fontScale="70000" lnSpcReduction="20000"/>
           </a:bodyPr>
           <a:lstStyle/>
-          <a:p>
-            <a:r>
-              <a:rPr lang="en-US" dirty="0"/>
-              <a:t>Associate equivalent terms that implicitly expand the scope of a query, without user having to actually provide terms.  For example:</a:t>
-            </a:r>
-          </a:p>
-          <a:p>
-            <a:pPr lvl="1"/>
-            <a:r>
-              <a:rPr lang="en-US" dirty="0"/>
-              <a:t>"dog" can be associated with “canine” &amp; “puppy”</a:t>
-            </a:r>
-          </a:p>
-          <a:p>
-            <a:r>
-              <a:rPr lang="en-US" dirty="0"/>
-              <a:t>Synonyms are currently in preview, exclusive to the Service REST API (</a:t>
-            </a:r>
-            <a:r>
-              <a:rPr lang="en-US" dirty="0" err="1"/>
-              <a:t>api</a:t>
-            </a:r>
-            <a:r>
-              <a:rPr lang="en-US" dirty="0"/>
-              <a:t>-version=2015-20-28-preview)</a:t>
-            </a:r>
-          </a:p>
-          <a:p>
-            <a:r>
-              <a:rPr lang="en-US" dirty="0"/>
-              <a:t>Word mappings is defined in a “</a:t>
-            </a:r>
-            <a:r>
-              <a:rPr lang="en-US" b="1" dirty="0"/>
-              <a:t>synonym map</a:t>
-            </a:r>
-            <a:r>
-              <a:rPr lang="en-US" dirty="0"/>
-              <a:t>” and is linked to one or more Index fields using </a:t>
-            </a:r>
-            <a:r>
-              <a:rPr lang="en-US" b="1" dirty="0" err="1"/>
-              <a:t>synonymMaps</a:t>
-            </a:r>
-            <a:r>
-              <a:rPr lang="en-US" dirty="0"/>
-              <a:t> in the field definition</a:t>
-            </a:r>
-          </a:p>
-          <a:p>
-            <a:r>
-              <a:rPr lang="en-US" dirty="0"/>
-              <a:t>Synonyms can be updated as needed</a:t>
-            </a:r>
-          </a:p>
-          <a:p>
-            <a:r>
-              <a:rPr lang="en-US" dirty="0"/>
-              <a:t>Ties in well with Search Traffic Analytics (Searches with 0 Results)</a:t>
-            </a:r>
-          </a:p>
           <a:p>
             <a:pPr marL="0" indent="0">
               <a:buNone/>
             </a:pPr>
-            <a:endParaRPr lang="en-US" sz="4000" dirty="0">
-              <a:latin typeface="Segoe UI Light" panose="020B0502040204020203" pitchFamily="34" charset="0"/>
-              <a:cs typeface="Segoe UI Light" panose="020B0502040204020203" pitchFamily="34" charset="0"/>
-            </a:endParaRPr>
+            <a:r>
+              <a:rPr lang="en-US" dirty="0" err="1"/>
+              <a:t>Nuget</a:t>
+            </a:r>
+            <a:r>
+              <a:rPr lang="en-US" dirty="0"/>
+              <a:t> Package Used (</a:t>
+            </a:r>
+            <a:r>
+              <a:rPr lang="en-US" dirty="0" err="1"/>
+              <a:t>GeoLocator</a:t>
+            </a:r>
+            <a:r>
+              <a:rPr lang="en-US" dirty="0"/>
+              <a:t>)</a:t>
+            </a:r>
+          </a:p>
+          <a:p>
+            <a:r>
+              <a:rPr lang="en-US" dirty="0">
+                <a:hlinkClick r:id="rId2"/>
+              </a:rPr>
+              <a:t>https://www.nuget.org/packages/Xam.Plugin.Geolocator</a:t>
+            </a:r>
+            <a:r>
+              <a:rPr lang="en-US" dirty="0"/>
+              <a:t> </a:t>
+            </a:r>
+          </a:p>
+          <a:p>
+            <a:endParaRPr lang="en-US" dirty="0"/>
           </a:p>
           <a:p>
             <a:pPr marL="0" indent="0">
               <a:buNone/>
             </a:pPr>
-            <a:endParaRPr lang="en-US" sz="4000" dirty="0">
-              <a:latin typeface="Segoe UI Light" panose="020B0502040204020203" pitchFamily="34" charset="0"/>
-              <a:cs typeface="Segoe UI Light" panose="020B0502040204020203" pitchFamily="34" charset="0"/>
-            </a:endParaRPr>
+            <a:r>
+              <a:rPr lang="en-US" dirty="0"/>
+              <a:t>Example Azure Search Request</a:t>
+            </a:r>
+          </a:p>
+          <a:p>
+            <a:r>
+              <a:rPr lang="en-US" dirty="0"/>
+              <a:t>&amp;</a:t>
+            </a:r>
+            <a:r>
+              <a:rPr lang="en-US" dirty="0" err="1"/>
+              <a:t>scoringProfile</a:t>
+            </a:r>
+            <a:r>
+              <a:rPr lang="en-US" dirty="0"/>
+              <a:t>=</a:t>
+            </a:r>
+            <a:r>
+              <a:rPr lang="en-US" dirty="0" err="1"/>
+              <a:t>geoScoring&amp;scoringParameter</a:t>
+            </a:r>
+            <a:r>
+              <a:rPr lang="en-US" dirty="0"/>
+              <a:t>=</a:t>
+            </a:r>
+            <a:r>
+              <a:rPr lang="en-US" dirty="0" err="1"/>
+              <a:t>currentLocation</a:t>
+            </a:r>
+            <a:r>
+              <a:rPr lang="en-US" dirty="0"/>
+              <a:t>:-122.130,47.641</a:t>
+            </a:r>
+          </a:p>
+          <a:p>
+            <a:endParaRPr lang="en-US" dirty="0"/>
+          </a:p>
+          <a:p>
+            <a:pPr marL="0" indent="0">
+              <a:buNone/>
+            </a:pPr>
+            <a:r>
+              <a:rPr lang="en-US" dirty="0"/>
+              <a:t>More Info:</a:t>
+            </a:r>
+          </a:p>
+          <a:p>
+            <a:r>
+              <a:rPr lang="en-US" dirty="0">
+                <a:hlinkClick r:id="rId3"/>
+              </a:rPr>
+              <a:t>https://blog.xamarin.com/geolocation-for-ios-android-and-windows-made-easy/</a:t>
+            </a:r>
+            <a:endParaRPr lang="en-US" dirty="0"/>
+          </a:p>
+          <a:p>
+            <a:r>
+              <a:rPr lang="en-US" dirty="0">
+                <a:hlinkClick r:id="rId4"/>
+              </a:rPr>
+              <a:t>https://msdn.microsoft.com/en-us/library/dn798928.aspx</a:t>
+            </a:r>
+            <a:r>
+              <a:rPr lang="en-US" dirty="0"/>
+              <a:t> </a:t>
+            </a:r>
+          </a:p>
+          <a:p>
+            <a:endParaRPr lang="en-US" dirty="0"/>
+          </a:p>
+          <a:p>
+            <a:pPr marL="0" indent="0">
+              <a:buNone/>
+            </a:pPr>
+            <a:r>
+              <a:rPr lang="en-US" dirty="0">
+                <a:cs typeface="Segoe UI Light" panose="020B0502040204020203" pitchFamily="34" charset="0"/>
+              </a:rPr>
+              <a:t>All source and lab resources can be found on GitHub:</a:t>
+            </a:r>
+          </a:p>
+          <a:p>
+            <a:r>
+              <a:rPr lang="en-US" dirty="0">
+                <a:cs typeface="Segoe UI Light" panose="020B0502040204020203" pitchFamily="34" charset="0"/>
+                <a:hlinkClick r:id="rId5"/>
+              </a:rPr>
+              <a:t>https://aka.ms/azsearchxamarin</a:t>
+            </a:r>
+            <a:r>
+              <a:rPr lang="en-US" dirty="0">
+                <a:cs typeface="Segoe UI Light" panose="020B0502040204020203" pitchFamily="34" charset="0"/>
+              </a:rPr>
+              <a:t> </a:t>
+            </a:r>
+            <a:endParaRPr lang="en-US" dirty="0"/>
+          </a:p>
+          <a:p>
+            <a:pPr marL="0" indent="0">
+              <a:buNone/>
+            </a:pPr>
+            <a:endParaRPr lang="en-US" dirty="0"/>
+          </a:p>
+          <a:p>
+            <a:endParaRPr lang="en-US" dirty="0"/>
           </a:p>
         </p:txBody>
       </p:sp>
@@ -25681,21 +25672,15 @@
           <p:nvPr/>
         </p:nvPicPr>
         <p:blipFill>
-          <a:blip r:embed="rId2">
-            <a:extLst>
-              <a:ext uri="{28A0092B-C50C-407E-A947-70E740481C1C}">
-                <a14:useLocalDpi xmlns:a14="http://schemas.microsoft.com/office/drawing/2010/main" val="0"/>
-              </a:ext>
-            </a:extLst>
-          </a:blip>
+          <a:blip r:embed="rId6"/>
           <a:stretch>
             <a:fillRect/>
           </a:stretch>
         </p:blipFill>
         <p:spPr>
           <a:xfrm>
-            <a:off x="8008883" y="1744717"/>
-            <a:ext cx="3810532" cy="2857899"/>
+            <a:off x="9512180" y="1012054"/>
+            <a:ext cx="2679820" cy="3452264"/>
           </a:xfrm>
           <a:prstGeom prst="rect">
             <a:avLst/>
@@ -25705,7 +25690,7 @@
     </p:spTree>
     <p:extLst>
       <p:ext uri="{BB962C8B-B14F-4D97-AF65-F5344CB8AC3E}">
-        <p14:creationId xmlns:p14="http://schemas.microsoft.com/office/powerpoint/2010/main" val="1890839045"/>
+        <p14:creationId xmlns:p14="http://schemas.microsoft.com/office/powerpoint/2010/main" val="2680593200"/>
       </p:ext>
     </p:extLst>
   </p:cSld>
@@ -25811,6 +25796,498 @@
   <p:clrMapOvr>
     <a:masterClrMapping/>
   </p:clrMapOvr>
+</p:sld>
+</file>
+
+<file path=ppt/slides/slide36.xml><?xml version="1.0" encoding="utf-8"?>
+<p:sld xmlns:a="http://schemas.openxmlformats.org/drawingml/2006/main" xmlns:r="http://schemas.openxmlformats.org/officeDocument/2006/relationships" xmlns:p="http://schemas.openxmlformats.org/presentationml/2006/main">
+  <p:cSld>
+    <p:spTree>
+      <p:nvGrpSpPr>
+        <p:cNvPr id="1" name=""/>
+        <p:cNvGrpSpPr/>
+        <p:nvPr/>
+      </p:nvGrpSpPr>
+      <p:grpSpPr>
+        <a:xfrm>
+          <a:off x="0" y="0"/>
+          <a:ext cx="0" cy="0"/>
+          <a:chOff x="0" y="0"/>
+          <a:chExt cx="0" cy="0"/>
+        </a:xfrm>
+      </p:grpSpPr>
+      <p:sp>
+        <p:nvSpPr>
+          <p:cNvPr id="2" name="Title 1"/>
+          <p:cNvSpPr>
+            <a:spLocks noGrp="1"/>
+          </p:cNvSpPr>
+          <p:nvPr>
+            <p:ph type="title"/>
+          </p:nvPr>
+        </p:nvSpPr>
+        <p:spPr/>
+        <p:txBody>
+          <a:bodyPr>
+            <a:normAutofit fontScale="90000"/>
+          </a:bodyPr>
+          <a:lstStyle/>
+          <a:p>
+            <a:r>
+              <a:rPr lang="en-US" sz="5685" dirty="0">
+                <a:solidFill>
+                  <a:schemeClr val="accent1"/>
+                </a:solidFill>
+                <a:latin typeface="Segoe UI Light" panose="020B0502040204020203" pitchFamily="34" charset="0"/>
+                <a:cs typeface="Segoe UI Light" panose="020B0502040204020203" pitchFamily="34" charset="0"/>
+              </a:rPr>
+              <a:t>Lesson 8 – Catering to the Long Tail</a:t>
+            </a:r>
+          </a:p>
+        </p:txBody>
+      </p:sp>
+      <p:sp>
+        <p:nvSpPr>
+          <p:cNvPr id="7" name="Text Placeholder 2"/>
+          <p:cNvSpPr txBox="1">
+            <a:spLocks/>
+          </p:cNvSpPr>
+          <p:nvPr/>
+        </p:nvSpPr>
+        <p:spPr>
+          <a:xfrm>
+            <a:off x="270069" y="1744717"/>
+            <a:ext cx="3061710" cy="4616823"/>
+          </a:xfrm>
+          <a:prstGeom prst="rect">
+            <a:avLst/>
+          </a:prstGeom>
+        </p:spPr>
+        <p:txBody>
+          <a:bodyPr vert="horz" lIns="91440" tIns="45720" rIns="91440" bIns="45720" rtlCol="0">
+            <a:normAutofit/>
+          </a:bodyPr>
+          <a:lstStyle>
+            <a:lvl1pPr marL="228600" indent="-228600" algn="l" defTabSz="914400" rtl="0" eaLnBrk="1" latinLnBrk="0" hangingPunct="1">
+              <a:lnSpc>
+                <a:spcPct val="90000"/>
+              </a:lnSpc>
+              <a:spcBef>
+                <a:spcPts val="1000"/>
+              </a:spcBef>
+              <a:buFont typeface="Arial" panose="020B0604020202020204" pitchFamily="34" charset="0"/>
+              <a:buChar char="•"/>
+              <a:defRPr sz="2800" kern="1200">
+                <a:solidFill>
+                  <a:schemeClr val="tx1"/>
+                </a:solidFill>
+                <a:latin typeface="+mn-lt"/>
+                <a:ea typeface="+mn-ea"/>
+                <a:cs typeface="+mn-cs"/>
+              </a:defRPr>
+            </a:lvl1pPr>
+            <a:lvl2pPr marL="685800" indent="-228600" algn="l" defTabSz="914400" rtl="0" eaLnBrk="1" latinLnBrk="0" hangingPunct="1">
+              <a:lnSpc>
+                <a:spcPct val="90000"/>
+              </a:lnSpc>
+              <a:spcBef>
+                <a:spcPts val="500"/>
+              </a:spcBef>
+              <a:buFont typeface="Arial" panose="020B0604020202020204" pitchFamily="34" charset="0"/>
+              <a:buChar char="•"/>
+              <a:defRPr sz="2400" kern="1200">
+                <a:solidFill>
+                  <a:schemeClr val="tx1"/>
+                </a:solidFill>
+                <a:latin typeface="+mn-lt"/>
+                <a:ea typeface="+mn-ea"/>
+                <a:cs typeface="+mn-cs"/>
+              </a:defRPr>
+            </a:lvl2pPr>
+            <a:lvl3pPr marL="1143000" indent="-228600" algn="l" defTabSz="914400" rtl="0" eaLnBrk="1" latinLnBrk="0" hangingPunct="1">
+              <a:lnSpc>
+                <a:spcPct val="90000"/>
+              </a:lnSpc>
+              <a:spcBef>
+                <a:spcPts val="500"/>
+              </a:spcBef>
+              <a:buFont typeface="Arial" panose="020B0604020202020204" pitchFamily="34" charset="0"/>
+              <a:buChar char="•"/>
+              <a:defRPr sz="2000" kern="1200">
+                <a:solidFill>
+                  <a:schemeClr val="tx1"/>
+                </a:solidFill>
+                <a:latin typeface="+mn-lt"/>
+                <a:ea typeface="+mn-ea"/>
+                <a:cs typeface="+mn-cs"/>
+              </a:defRPr>
+            </a:lvl3pPr>
+            <a:lvl4pPr marL="1600200" indent="-228600" algn="l" defTabSz="914400" rtl="0" eaLnBrk="1" latinLnBrk="0" hangingPunct="1">
+              <a:lnSpc>
+                <a:spcPct val="90000"/>
+              </a:lnSpc>
+              <a:spcBef>
+                <a:spcPts val="500"/>
+              </a:spcBef>
+              <a:buFont typeface="Arial" panose="020B0604020202020204" pitchFamily="34" charset="0"/>
+              <a:buChar char="•"/>
+              <a:defRPr sz="1800" kern="1200">
+                <a:solidFill>
+                  <a:schemeClr val="tx1"/>
+                </a:solidFill>
+                <a:latin typeface="+mn-lt"/>
+                <a:ea typeface="+mn-ea"/>
+                <a:cs typeface="+mn-cs"/>
+              </a:defRPr>
+            </a:lvl4pPr>
+            <a:lvl5pPr marL="2057400" indent="-228600" algn="l" defTabSz="914400" rtl="0" eaLnBrk="1" latinLnBrk="0" hangingPunct="1">
+              <a:lnSpc>
+                <a:spcPct val="90000"/>
+              </a:lnSpc>
+              <a:spcBef>
+                <a:spcPts val="500"/>
+              </a:spcBef>
+              <a:buFont typeface="Arial" panose="020B0604020202020204" pitchFamily="34" charset="0"/>
+              <a:buChar char="•"/>
+              <a:defRPr sz="1800" kern="1200">
+                <a:solidFill>
+                  <a:schemeClr val="tx1"/>
+                </a:solidFill>
+                <a:latin typeface="+mn-lt"/>
+                <a:ea typeface="+mn-ea"/>
+                <a:cs typeface="+mn-cs"/>
+              </a:defRPr>
+            </a:lvl5pPr>
+            <a:lvl6pPr marL="2514600" indent="-228600" algn="l" defTabSz="914400" rtl="0" eaLnBrk="1" latinLnBrk="0" hangingPunct="1">
+              <a:lnSpc>
+                <a:spcPct val="90000"/>
+              </a:lnSpc>
+              <a:spcBef>
+                <a:spcPts val="500"/>
+              </a:spcBef>
+              <a:buFont typeface="Arial" panose="020B0604020202020204" pitchFamily="34" charset="0"/>
+              <a:buChar char="•"/>
+              <a:defRPr sz="1800" kern="1200">
+                <a:solidFill>
+                  <a:schemeClr val="tx1"/>
+                </a:solidFill>
+                <a:latin typeface="+mn-lt"/>
+                <a:ea typeface="+mn-ea"/>
+                <a:cs typeface="+mn-cs"/>
+              </a:defRPr>
+            </a:lvl6pPr>
+            <a:lvl7pPr marL="2971800" indent="-228600" algn="l" defTabSz="914400" rtl="0" eaLnBrk="1" latinLnBrk="0" hangingPunct="1">
+              <a:lnSpc>
+                <a:spcPct val="90000"/>
+              </a:lnSpc>
+              <a:spcBef>
+                <a:spcPts val="500"/>
+              </a:spcBef>
+              <a:buFont typeface="Arial" panose="020B0604020202020204" pitchFamily="34" charset="0"/>
+              <a:buChar char="•"/>
+              <a:defRPr sz="1800" kern="1200">
+                <a:solidFill>
+                  <a:schemeClr val="tx1"/>
+                </a:solidFill>
+                <a:latin typeface="+mn-lt"/>
+                <a:ea typeface="+mn-ea"/>
+                <a:cs typeface="+mn-cs"/>
+              </a:defRPr>
+            </a:lvl7pPr>
+            <a:lvl8pPr marL="3429000" indent="-228600" algn="l" defTabSz="914400" rtl="0" eaLnBrk="1" latinLnBrk="0" hangingPunct="1">
+              <a:lnSpc>
+                <a:spcPct val="90000"/>
+              </a:lnSpc>
+              <a:spcBef>
+                <a:spcPts val="500"/>
+              </a:spcBef>
+              <a:buFont typeface="Arial" panose="020B0604020202020204" pitchFamily="34" charset="0"/>
+              <a:buChar char="•"/>
+              <a:defRPr sz="1800" kern="1200">
+                <a:solidFill>
+                  <a:schemeClr val="tx1"/>
+                </a:solidFill>
+                <a:latin typeface="+mn-lt"/>
+                <a:ea typeface="+mn-ea"/>
+                <a:cs typeface="+mn-cs"/>
+              </a:defRPr>
+            </a:lvl8pPr>
+            <a:lvl9pPr marL="3886200" indent="-228600" algn="l" defTabSz="914400" rtl="0" eaLnBrk="1" latinLnBrk="0" hangingPunct="1">
+              <a:lnSpc>
+                <a:spcPct val="90000"/>
+              </a:lnSpc>
+              <a:spcBef>
+                <a:spcPts val="500"/>
+              </a:spcBef>
+              <a:buFont typeface="Arial" panose="020B0604020202020204" pitchFamily="34" charset="0"/>
+              <a:buChar char="•"/>
+              <a:defRPr sz="1800" kern="1200">
+                <a:solidFill>
+                  <a:schemeClr val="tx1"/>
+                </a:solidFill>
+                <a:latin typeface="+mn-lt"/>
+                <a:ea typeface="+mn-ea"/>
+                <a:cs typeface="+mn-cs"/>
+              </a:defRPr>
+            </a:lvl9pPr>
+          </a:lstStyle>
+          <a:p>
+            <a:pPr marL="0" indent="0">
+              <a:buFont typeface="Arial" panose="020B0604020202020204" pitchFamily="34" charset="0"/>
+              <a:buNone/>
+            </a:pPr>
+            <a:r>
+              <a:rPr lang="en-US" sz="4000" i="1">
+                <a:latin typeface="Segoe UI Light" panose="020B0502040204020203" pitchFamily="34" charset="0"/>
+                <a:cs typeface="Segoe UI Light" panose="020B0502040204020203" pitchFamily="34" charset="0"/>
+              </a:rPr>
+              <a:t>“70% of searches are unexpected”</a:t>
+            </a:r>
+            <a:r>
+              <a:rPr lang="en-US" sz="4000" baseline="30000">
+                <a:latin typeface="Segoe UI Light" panose="020B0502040204020203" pitchFamily="34" charset="0"/>
+                <a:cs typeface="Segoe UI Light" panose="020B0502040204020203" pitchFamily="34" charset="0"/>
+              </a:rPr>
+              <a:t>1</a:t>
+            </a:r>
+            <a:endParaRPr lang="en-US" sz="4000" baseline="30000" dirty="0">
+              <a:latin typeface="Segoe UI Light" panose="020B0502040204020203" pitchFamily="34" charset="0"/>
+              <a:cs typeface="Segoe UI Light" panose="020B0502040204020203" pitchFamily="34" charset="0"/>
+            </a:endParaRPr>
+          </a:p>
+        </p:txBody>
+      </p:sp>
+      <p:pic>
+        <p:nvPicPr>
+          <p:cNvPr id="8" name="Picture 7"/>
+          <p:cNvPicPr>
+            <a:picLocks noChangeAspect="1"/>
+          </p:cNvPicPr>
+          <p:nvPr/>
+        </p:nvPicPr>
+        <p:blipFill>
+          <a:blip r:embed="rId2"/>
+          <a:stretch>
+            <a:fillRect/>
+          </a:stretch>
+        </p:blipFill>
+        <p:spPr>
+          <a:xfrm>
+            <a:off x="3332514" y="1499013"/>
+            <a:ext cx="8859486" cy="5430008"/>
+          </a:xfrm>
+          <a:prstGeom prst="rect">
+            <a:avLst/>
+          </a:prstGeom>
+        </p:spPr>
+      </p:pic>
+    </p:spTree>
+    <p:extLst>
+      <p:ext uri="{BB962C8B-B14F-4D97-AF65-F5344CB8AC3E}">
+        <p14:creationId xmlns:p14="http://schemas.microsoft.com/office/powerpoint/2010/main" val="237035918"/>
+      </p:ext>
+    </p:extLst>
+  </p:cSld>
+  <p:clrMapOvr>
+    <a:masterClrMapping/>
+  </p:clrMapOvr>
+</p:sld>
+</file>
+
+<file path=ppt/slides/slide37.xml><?xml version="1.0" encoding="utf-8"?>
+<p:sld xmlns:a="http://schemas.openxmlformats.org/drawingml/2006/main" xmlns:r="http://schemas.openxmlformats.org/officeDocument/2006/relationships" xmlns:p="http://schemas.openxmlformats.org/presentationml/2006/main">
+  <p:cSld>
+    <p:spTree>
+      <p:nvGrpSpPr>
+        <p:cNvPr id="1" name=""/>
+        <p:cNvGrpSpPr/>
+        <p:nvPr/>
+      </p:nvGrpSpPr>
+      <p:grpSpPr>
+        <a:xfrm>
+          <a:off x="0" y="0"/>
+          <a:ext cx="0" cy="0"/>
+          <a:chOff x="0" y="0"/>
+          <a:chExt cx="0" cy="0"/>
+        </a:xfrm>
+      </p:grpSpPr>
+      <p:sp>
+        <p:nvSpPr>
+          <p:cNvPr id="2" name="Title 1"/>
+          <p:cNvSpPr>
+            <a:spLocks noGrp="1"/>
+          </p:cNvSpPr>
+          <p:nvPr>
+            <p:ph type="title"/>
+          </p:nvPr>
+        </p:nvSpPr>
+        <p:spPr>
+          <a:xfrm>
+            <a:off x="269242" y="259792"/>
+            <a:ext cx="8417107" cy="1075884"/>
+          </a:xfrm>
+        </p:spPr>
+        <p:txBody>
+          <a:bodyPr vert="horz" lIns="146304" tIns="91440" rIns="146304" bIns="91440" rtlCol="0" anchor="ctr">
+            <a:noAutofit/>
+          </a:bodyPr>
+          <a:lstStyle/>
+          <a:p>
+            <a:r>
+              <a:rPr lang="en-US" sz="4400" dirty="0">
+                <a:latin typeface="Segoe UI Light" panose="020B0502040204020203" pitchFamily="34" charset="0"/>
+                <a:cs typeface="Segoe UI Light" panose="020B0502040204020203" pitchFamily="34" charset="0"/>
+              </a:rPr>
+              <a:t>Synonyms (Preview)</a:t>
+            </a:r>
+          </a:p>
+        </p:txBody>
+      </p:sp>
+      <p:sp>
+        <p:nvSpPr>
+          <p:cNvPr id="3" name="Text Placeholder 2"/>
+          <p:cNvSpPr>
+            <a:spLocks noGrp="1"/>
+          </p:cNvSpPr>
+          <p:nvPr>
+            <p:ph type="body" sz="quarter" idx="4294967295"/>
+          </p:nvPr>
+        </p:nvSpPr>
+        <p:spPr>
+          <a:xfrm>
+            <a:off x="270069" y="1744717"/>
+            <a:ext cx="7879632" cy="4616823"/>
+          </a:xfrm>
+        </p:spPr>
+        <p:txBody>
+          <a:bodyPr>
+            <a:normAutofit fontScale="92500" lnSpcReduction="10000"/>
+          </a:bodyPr>
+          <a:lstStyle/>
+          <a:p>
+            <a:r>
+              <a:rPr lang="en-US" dirty="0"/>
+              <a:t>Associate equivalent terms that implicitly expand the scope of a query, without user having to actually provide terms.  For example:</a:t>
+            </a:r>
+          </a:p>
+          <a:p>
+            <a:pPr lvl="1"/>
+            <a:r>
+              <a:rPr lang="en-US" dirty="0"/>
+              <a:t>"dog" can be associated with “canine” &amp; “puppy”</a:t>
+            </a:r>
+          </a:p>
+          <a:p>
+            <a:r>
+              <a:rPr lang="en-US" dirty="0"/>
+              <a:t>Synonyms are currently in preview, exclusive to the Service REST API (</a:t>
+            </a:r>
+            <a:r>
+              <a:rPr lang="en-US" dirty="0" err="1"/>
+              <a:t>api</a:t>
+            </a:r>
+            <a:r>
+              <a:rPr lang="en-US" dirty="0"/>
+              <a:t>-version=2015-20-28-preview)</a:t>
+            </a:r>
+          </a:p>
+          <a:p>
+            <a:r>
+              <a:rPr lang="en-US" dirty="0"/>
+              <a:t>Word mappings is defined in a “</a:t>
+            </a:r>
+            <a:r>
+              <a:rPr lang="en-US" b="1" dirty="0"/>
+              <a:t>synonym map</a:t>
+            </a:r>
+            <a:r>
+              <a:rPr lang="en-US" dirty="0"/>
+              <a:t>” and is linked to one or more Index fields using </a:t>
+            </a:r>
+            <a:r>
+              <a:rPr lang="en-US" b="1" dirty="0" err="1"/>
+              <a:t>synonymMaps</a:t>
+            </a:r>
+            <a:r>
+              <a:rPr lang="en-US" dirty="0"/>
+              <a:t> in the field definition</a:t>
+            </a:r>
+          </a:p>
+          <a:p>
+            <a:r>
+              <a:rPr lang="en-US" dirty="0"/>
+              <a:t>Synonyms can be updated as needed</a:t>
+            </a:r>
+          </a:p>
+          <a:p>
+            <a:r>
+              <a:rPr lang="en-US" dirty="0"/>
+              <a:t>Ties in well with Search Traffic Analytics (Searches with 0 Results)</a:t>
+            </a:r>
+          </a:p>
+          <a:p>
+            <a:pPr marL="0" indent="0">
+              <a:buNone/>
+            </a:pPr>
+            <a:endParaRPr lang="en-US" sz="4000" dirty="0">
+              <a:latin typeface="Segoe UI Light" panose="020B0502040204020203" pitchFamily="34" charset="0"/>
+              <a:cs typeface="Segoe UI Light" panose="020B0502040204020203" pitchFamily="34" charset="0"/>
+            </a:endParaRPr>
+          </a:p>
+          <a:p>
+            <a:pPr marL="0" indent="0">
+              <a:buNone/>
+            </a:pPr>
+            <a:endParaRPr lang="en-US" sz="4000" dirty="0">
+              <a:latin typeface="Segoe UI Light" panose="020B0502040204020203" pitchFamily="34" charset="0"/>
+              <a:cs typeface="Segoe UI Light" panose="020B0502040204020203" pitchFamily="34" charset="0"/>
+            </a:endParaRPr>
+          </a:p>
+        </p:txBody>
+      </p:sp>
+      <p:pic>
+        <p:nvPicPr>
+          <p:cNvPr id="4" name="Picture 3"/>
+          <p:cNvPicPr>
+            <a:picLocks noChangeAspect="1"/>
+          </p:cNvPicPr>
+          <p:nvPr/>
+        </p:nvPicPr>
+        <p:blipFill>
+          <a:blip r:embed="rId2">
+            <a:extLst>
+              <a:ext uri="{28A0092B-C50C-407E-A947-70E740481C1C}">
+                <a14:useLocalDpi xmlns:a14="http://schemas.microsoft.com/office/drawing/2010/main" val="0"/>
+              </a:ext>
+            </a:extLst>
+          </a:blip>
+          <a:stretch>
+            <a:fillRect/>
+          </a:stretch>
+        </p:blipFill>
+        <p:spPr>
+          <a:xfrm>
+            <a:off x="8008883" y="1744717"/>
+            <a:ext cx="3810532" cy="2857899"/>
+          </a:xfrm>
+          <a:prstGeom prst="rect">
+            <a:avLst/>
+          </a:prstGeom>
+        </p:spPr>
+      </p:pic>
+    </p:spTree>
+    <p:extLst>
+      <p:ext uri="{BB962C8B-B14F-4D97-AF65-F5344CB8AC3E}">
+        <p14:creationId xmlns:p14="http://schemas.microsoft.com/office/powerpoint/2010/main" val="1890839045"/>
+      </p:ext>
+    </p:extLst>
+  </p:cSld>
+  <p:clrMapOvr>
+    <a:masterClrMapping/>
+  </p:clrMapOvr>
+  <p:transition>
+    <p:fade/>
+  </p:transition>
 </p:sld>
 </file>
 

--- a/Xamarin Azure Search Tutorial.pptx
+++ b/Xamarin Azure Search Tutorial.pptx
@@ -234,7 +234,7 @@
           <a:p>
             <a:fld id="{D22869F2-CA65-475A-A57C-3086E8EBE859}" type="datetimeFigureOut">
               <a:rPr lang="en-US" smtClean="0"/>
-              <a:t>9/6/2016</a:t>
+              <a:t>9/9/2016</a:t>
             </a:fld>
             <a:endParaRPr lang="en-US"/>
           </a:p>
@@ -702,7 +702,7 @@
                 </a:solidFill>
               </a:rPr>
               <a:pPr/>
-              <a:t>9/6/2016 10:31 AM</a:t>
+              <a:t>9/9/2016 9:02 AM</a:t>
             </a:fld>
             <a:endParaRPr lang="en-US" dirty="0">
               <a:solidFill>
@@ -932,7 +932,7 @@
                 </a:solidFill>
               </a:rPr>
               <a:pPr/>
-              <a:t>9/6/2016 10:31 AM</a:t>
+              <a:t>9/9/2016 9:02 AM</a:t>
             </a:fld>
             <a:endParaRPr lang="en-US" dirty="0">
               <a:solidFill>
@@ -1162,7 +1162,7 @@
                 </a:solidFill>
               </a:rPr>
               <a:pPr/>
-              <a:t>9/6/2016 10:31 AM</a:t>
+              <a:t>9/9/2016 9:02 AM</a:t>
             </a:fld>
             <a:endParaRPr lang="en-US" dirty="0">
               <a:solidFill>
@@ -1392,7 +1392,7 @@
                 </a:solidFill>
               </a:rPr>
               <a:pPr/>
-              <a:t>9/6/2016 10:31 AM</a:t>
+              <a:t>9/9/2016 9:02 AM</a:t>
             </a:fld>
             <a:endParaRPr lang="en-US" dirty="0">
               <a:solidFill>
@@ -1622,7 +1622,7 @@
                 </a:solidFill>
               </a:rPr>
               <a:pPr/>
-              <a:t>9/6/2016 10:31 AM</a:t>
+              <a:t>9/9/2016 9:02 AM</a:t>
             </a:fld>
             <a:endParaRPr lang="en-US" dirty="0">
               <a:solidFill>
@@ -1890,7 +1890,7 @@
           <a:p>
             <a:fld id="{38EEC551-8CDA-4EB6-89BB-2A86C9F091C8}" type="datetime8">
               <a:rPr lang="en-US" smtClean="0"/>
-              <a:t>9/6/2016 10:31 AM</a:t>
+              <a:t>9/9/2016 9:02 AM</a:t>
             </a:fld>
             <a:endParaRPr lang="en-US" dirty="0"/>
           </a:p>
@@ -2079,7 +2079,7 @@
           <a:p>
             <a:fld id="{38EEC551-8CDA-4EB6-89BB-2A86C9F091C8}" type="datetime8">
               <a:rPr lang="en-US" smtClean="0"/>
-              <a:t>9/6/2016 10:31 AM</a:t>
+              <a:t>9/9/2016 9:02 AM</a:t>
             </a:fld>
             <a:endParaRPr lang="en-US" dirty="0"/>
           </a:p>
@@ -2230,7 +2230,7 @@
                 </a:solidFill>
               </a:rPr>
               <a:pPr/>
-              <a:t>9/6/2016 10:31 AM</a:t>
+              <a:t>9/9/2016 9:02 AM</a:t>
             </a:fld>
             <a:endParaRPr lang="en-US" dirty="0">
               <a:solidFill>
@@ -2460,7 +2460,7 @@
                 </a:solidFill>
               </a:rPr>
               <a:pPr/>
-              <a:t>9/6/2016 10:31 AM</a:t>
+              <a:t>9/9/2016 9:02 AM</a:t>
             </a:fld>
             <a:endParaRPr lang="en-US" dirty="0">
               <a:solidFill>
@@ -2690,7 +2690,7 @@
                 </a:solidFill>
               </a:rPr>
               <a:pPr/>
-              <a:t>9/6/2016 10:31 AM</a:t>
+              <a:t>9/9/2016 9:02 AM</a:t>
             </a:fld>
             <a:endParaRPr lang="en-US" dirty="0">
               <a:solidFill>
@@ -2920,7 +2920,7 @@
                 </a:solidFill>
               </a:rPr>
               <a:pPr/>
-              <a:t>9/6/2016 10:31 AM</a:t>
+              <a:t>9/9/2016 9:02 AM</a:t>
             </a:fld>
             <a:endParaRPr lang="en-US" dirty="0">
               <a:solidFill>
@@ -3171,7 +3171,7 @@
           <a:p>
             <a:fld id="{0E3D3D7C-BDD5-46A4-92A3-3C28E152440C}" type="datetimeFigureOut">
               <a:rPr lang="en-US" smtClean="0"/>
-              <a:t>9/6/2016</a:t>
+              <a:t>9/9/2016</a:t>
             </a:fld>
             <a:endParaRPr lang="en-US"/>
           </a:p>
@@ -3339,7 +3339,7 @@
           <a:p>
             <a:fld id="{0E3D3D7C-BDD5-46A4-92A3-3C28E152440C}" type="datetimeFigureOut">
               <a:rPr lang="en-US" smtClean="0"/>
-              <a:t>9/6/2016</a:t>
+              <a:t>9/9/2016</a:t>
             </a:fld>
             <a:endParaRPr lang="en-US"/>
           </a:p>
@@ -3517,7 +3517,7 @@
           <a:p>
             <a:fld id="{0E3D3D7C-BDD5-46A4-92A3-3C28E152440C}" type="datetimeFigureOut">
               <a:rPr lang="en-US" smtClean="0"/>
-              <a:t>9/6/2016</a:t>
+              <a:t>9/9/2016</a:t>
             </a:fld>
             <a:endParaRPr lang="en-US"/>
           </a:p>
@@ -8394,7 +8394,7 @@
           <a:p>
             <a:fld id="{0E3D3D7C-BDD5-46A4-92A3-3C28E152440C}" type="datetimeFigureOut">
               <a:rPr lang="en-US" smtClean="0"/>
-              <a:t>9/6/2016</a:t>
+              <a:t>9/9/2016</a:t>
             </a:fld>
             <a:endParaRPr lang="en-US"/>
           </a:p>
@@ -11095,7 +11095,7 @@
           <a:p>
             <a:fld id="{0E3D3D7C-BDD5-46A4-92A3-3C28E152440C}" type="datetimeFigureOut">
               <a:rPr lang="en-US" smtClean="0"/>
-              <a:t>9/6/2016</a:t>
+              <a:t>9/9/2016</a:t>
             </a:fld>
             <a:endParaRPr lang="en-US"/>
           </a:p>
@@ -13227,7 +13227,7 @@
           <a:p>
             <a:fld id="{0E3D3D7C-BDD5-46A4-92A3-3C28E152440C}" type="datetimeFigureOut">
               <a:rPr lang="en-US" smtClean="0"/>
-              <a:t>9/6/2016</a:t>
+              <a:t>9/9/2016</a:t>
             </a:fld>
             <a:endParaRPr lang="en-US"/>
           </a:p>
@@ -13409,7 +13409,7 @@
                 </a:solidFill>
               </a:rPr>
               <a:pPr defTabSz="914192"/>
-              <a:t>9/6/2016</a:t>
+              <a:t>9/9/2016</a:t>
             </a:fld>
             <a:endParaRPr lang="en-US">
               <a:solidFill>
@@ -13668,7 +13668,7 @@
                 </a:solidFill>
               </a:rPr>
               <a:pPr/>
-              <a:t>9/6/2016</a:t>
+              <a:t>9/9/2016</a:t>
             </a:fld>
             <a:endParaRPr lang="en-US">
               <a:solidFill>
@@ -14049,7 +14049,7 @@
           <a:p>
             <a:fld id="{0E3D3D7C-BDD5-46A4-92A3-3C28E152440C}" type="datetimeFigureOut">
               <a:rPr lang="en-US" smtClean="0"/>
-              <a:t>9/6/2016</a:t>
+              <a:t>9/9/2016</a:t>
             </a:fld>
             <a:endParaRPr lang="en-US"/>
           </a:p>
@@ -14166,7 +14166,7 @@
           <a:p>
             <a:fld id="{0E3D3D7C-BDD5-46A4-92A3-3C28E152440C}" type="datetimeFigureOut">
               <a:rPr lang="en-US" smtClean="0"/>
-              <a:t>9/6/2016</a:t>
+              <a:t>9/9/2016</a:t>
             </a:fld>
             <a:endParaRPr lang="en-US"/>
           </a:p>
@@ -14261,7 +14261,7 @@
           <a:p>
             <a:fld id="{0E3D3D7C-BDD5-46A4-92A3-3C28E152440C}" type="datetimeFigureOut">
               <a:rPr lang="en-US" smtClean="0"/>
-              <a:t>9/6/2016</a:t>
+              <a:t>9/9/2016</a:t>
             </a:fld>
             <a:endParaRPr lang="en-US"/>
           </a:p>
@@ -14536,7 +14536,7 @@
           <a:p>
             <a:fld id="{0E3D3D7C-BDD5-46A4-92A3-3C28E152440C}" type="datetimeFigureOut">
               <a:rPr lang="en-US" smtClean="0"/>
-              <a:t>9/6/2016</a:t>
+              <a:t>9/9/2016</a:t>
             </a:fld>
             <a:endParaRPr lang="en-US"/>
           </a:p>
@@ -14788,7 +14788,7 @@
           <a:p>
             <a:fld id="{0E3D3D7C-BDD5-46A4-92A3-3C28E152440C}" type="datetimeFigureOut">
               <a:rPr lang="en-US" smtClean="0"/>
-              <a:t>9/6/2016</a:t>
+              <a:t>9/9/2016</a:t>
             </a:fld>
             <a:endParaRPr lang="en-US"/>
           </a:p>
@@ -14999,7 +14999,7 @@
           <a:p>
             <a:fld id="{0E3D3D7C-BDD5-46A4-92A3-3C28E152440C}" type="datetimeFigureOut">
               <a:rPr lang="en-US" smtClean="0"/>
-              <a:t>9/6/2016</a:t>
+              <a:t>9/9/2016</a:t>
             </a:fld>
             <a:endParaRPr lang="en-US"/>
           </a:p>
@@ -24982,12 +24982,28 @@
               <a:buNone/>
             </a:pPr>
             <a:r>
+              <a:rPr lang="en-US" sz="3000">
+                <a:latin typeface="Segoe UI Light" panose="020B0502040204020203" pitchFamily="34" charset="0"/>
+                <a:cs typeface="Segoe UI Light" panose="020B0502040204020203" pitchFamily="34" charset="0"/>
+                <a:hlinkClick r:id="rId2"/>
+              </a:rPr>
+              <a:t>/indexes/listings/</a:t>
+            </a:r>
+            <a:r>
+              <a:rPr lang="en-US" sz="3000" dirty="0" err="1">
+                <a:latin typeface="Segoe UI Light" panose="020B0502040204020203" pitchFamily="34" charset="0"/>
+                <a:cs typeface="Segoe UI Light" panose="020B0502040204020203" pitchFamily="34" charset="0"/>
+                <a:hlinkClick r:id="rId2"/>
+              </a:rPr>
+              <a:t>docs?api-version</a:t>
+            </a:r>
+            <a:r>
               <a:rPr lang="en-US" sz="3000" dirty="0">
                 <a:latin typeface="Segoe UI Light" panose="020B0502040204020203" pitchFamily="34" charset="0"/>
                 <a:cs typeface="Segoe UI Light" panose="020B0502040204020203" pitchFamily="34" charset="0"/>
                 <a:hlinkClick r:id="rId2"/>
               </a:rPr>
-              <a:t>/indexes/listings-full/docs?api-version=2015-02-28-Preview&amp;morelikethis=1174787</a:t>
+              <a:t>=2015-02-28-Preview&amp;morelikethis=1174787</a:t>
             </a:r>
             <a:r>
               <a:rPr lang="en-US" sz="3000" dirty="0">
@@ -25037,6 +25053,69 @@
               </a:rPr>
               <a:t> </a:t>
             </a:r>
+          </a:p>
+          <a:p>
+            <a:pPr marL="0" indent="0">
+              <a:buNone/>
+            </a:pPr>
+            <a:endParaRPr lang="en-US" sz="3000" dirty="0">
+              <a:latin typeface="Segoe UI Light" panose="020B0502040204020203" pitchFamily="34" charset="0"/>
+              <a:cs typeface="Segoe UI Light" panose="020B0502040204020203" pitchFamily="34" charset="0"/>
+            </a:endParaRPr>
+          </a:p>
+          <a:p>
+            <a:pPr marL="0" indent="0">
+              <a:buNone/>
+            </a:pPr>
+            <a:r>
+              <a:rPr lang="en-US" sz="3000" dirty="0">
+                <a:latin typeface="Segoe UI Light" panose="020B0502040204020203" pitchFamily="34" charset="0"/>
+                <a:cs typeface="Segoe UI Light" panose="020B0502040204020203" pitchFamily="34" charset="0"/>
+              </a:rPr>
+              <a:t>Recommendations Example:</a:t>
+            </a:r>
+          </a:p>
+          <a:p>
+            <a:pPr marL="0" indent="0">
+              <a:buNone/>
+            </a:pPr>
+            <a:r>
+              <a:rPr lang="en-US" sz="3000" dirty="0">
+                <a:latin typeface="Segoe UI Light" panose="020B0502040204020203" pitchFamily="34" charset="0"/>
+                <a:cs typeface="Segoe UI Light" panose="020B0502040204020203" pitchFamily="34" charset="0"/>
+                <a:hlinkClick r:id="rId4"/>
+              </a:rPr>
+              <a:t>github.com/</a:t>
+            </a:r>
+            <a:r>
+              <a:rPr lang="en-US" sz="3000" dirty="0" err="1">
+                <a:latin typeface="Segoe UI Light" panose="020B0502040204020203" pitchFamily="34" charset="0"/>
+                <a:cs typeface="Segoe UI Light" panose="020B0502040204020203" pitchFamily="34" charset="0"/>
+                <a:hlinkClick r:id="rId4"/>
+              </a:rPr>
+              <a:t>liamca</a:t>
+            </a:r>
+            <a:r>
+              <a:rPr lang="en-US" sz="3000" dirty="0">
+                <a:latin typeface="Segoe UI Light" panose="020B0502040204020203" pitchFamily="34" charset="0"/>
+                <a:cs typeface="Segoe UI Light" panose="020B0502040204020203" pitchFamily="34" charset="0"/>
+                <a:hlinkClick r:id="rId4"/>
+              </a:rPr>
+              <a:t>/azure-search-recommendations</a:t>
+            </a:r>
+            <a:endParaRPr lang="en-US" sz="3000" dirty="0">
+              <a:latin typeface="Segoe UI Light" panose="020B0502040204020203" pitchFamily="34" charset="0"/>
+              <a:cs typeface="Segoe UI Light" panose="020B0502040204020203" pitchFamily="34" charset="0"/>
+            </a:endParaRPr>
+          </a:p>
+          <a:p>
+            <a:pPr marL="0" indent="0">
+              <a:buNone/>
+            </a:pPr>
+            <a:endParaRPr lang="en-US" sz="3000" dirty="0">
+              <a:latin typeface="Segoe UI Light" panose="020B0502040204020203" pitchFamily="34" charset="0"/>
+              <a:cs typeface="Segoe UI Light" panose="020B0502040204020203" pitchFamily="34" charset="0"/>
+            </a:endParaRPr>
           </a:p>
           <a:p>
             <a:pPr marL="0" indent="0">
@@ -25058,7 +25137,7 @@
           <p:nvPr/>
         </p:nvPicPr>
         <p:blipFill>
-          <a:blip r:embed="rId4">
+          <a:blip r:embed="rId5">
             <a:extLst>
               <a:ext uri="{28A0092B-C50C-407E-A947-70E740481C1C}">
                 <a14:useLocalDpi xmlns:a14="http://schemas.microsoft.com/office/drawing/2010/main" val="0"/>
